--- a/Assembler v2/Design/assembler_design_graphics.pptx
+++ b/Assembler v2/Design/assembler_design_graphics.pptx
@@ -7,6 +7,7 @@
   <p:sldIdLst>
     <p:sldId id="256" r:id="rId2"/>
     <p:sldId id="257" r:id="rId3"/>
+    <p:sldId id="258" r:id="rId4"/>
   </p:sldIdLst>
   <p:sldSz cx="12192000" cy="6858000"/>
   <p:notesSz cx="6858000" cy="9144000"/>
@@ -105,19 +106,296 @@
       </a:defRPr>
     </a:lvl9pPr>
   </p:defaultTextStyle>
+  <p:extLst>
+    <p:ext uri="{EFAFB233-063F-42B5-8137-9DF3F51BA10A}">
+      <p15:sldGuideLst xmlns:p15="http://schemas.microsoft.com/office/powerpoint/2012/main"/>
+    </p:ext>
+  </p:extLst>
 </p:presentation>
 </file>
 
 <file path=ppt/revisionInfo.xml><?xml version="1.0" encoding="utf-8"?>
 <p1510:revInfo xmlns:a="http://schemas.openxmlformats.org/drawingml/2006/main" xmlns:r="http://schemas.openxmlformats.org/officeDocument/2006/relationships" xmlns:p1510="http://schemas.microsoft.com/office/powerpoint/2015/10/main">
   <p1510:revLst>
-    <p1510:client id="{1995C4C5-9019-41DC-B401-A8E6467EF074}" v="40" dt="2024-09-25T20:51:21.982"/>
+    <p1510:client id="{2CC98FF6-1EC5-47A0-987A-5EFC7623735E}" v="14" dt="2025-05-15T00:48:42.754"/>
   </p1510:revLst>
 </p1510:revInfo>
 </file>
 
 <file path=ppt/changesInfos/changesInfo1.xml><?xml version="1.0" encoding="utf-8"?>
 <pc:chgInfo xmlns:a="http://schemas.openxmlformats.org/drawingml/2006/main" xmlns:r="http://schemas.openxmlformats.org/officeDocument/2006/relationships" xmlns:ac="http://schemas.microsoft.com/office/drawing/2013/main/command" xmlns:pc="http://schemas.microsoft.com/office/powerpoint/2013/main/command">
+  <pc:docChgLst>
+    <pc:chgData name="Gil Keidar" userId="39bab330baa1541e" providerId="LiveId" clId="{2CC98FF6-1EC5-47A0-987A-5EFC7623735E}"/>
+    <pc:docChg chg="undo custSel addSld modSld">
+      <pc:chgData name="Gil Keidar" userId="39bab330baa1541e" providerId="LiveId" clId="{2CC98FF6-1EC5-47A0-987A-5EFC7623735E}" dt="2025-05-15T00:52:43.874" v="422" actId="1035"/>
+      <pc:docMkLst>
+        <pc:docMk/>
+      </pc:docMkLst>
+      <pc:sldChg chg="addSp delSp modSp add mod">
+        <pc:chgData name="Gil Keidar" userId="39bab330baa1541e" providerId="LiveId" clId="{2CC98FF6-1EC5-47A0-987A-5EFC7623735E}" dt="2025-05-15T00:52:43.874" v="422" actId="1035"/>
+        <pc:sldMkLst>
+          <pc:docMk/>
+          <pc:sldMk cId="2720470915" sldId="258"/>
+        </pc:sldMkLst>
+        <pc:spChg chg="add mod ord">
+          <ac:chgData name="Gil Keidar" userId="39bab330baa1541e" providerId="LiveId" clId="{2CC98FF6-1EC5-47A0-987A-5EFC7623735E}" dt="2025-05-15T00:51:26.884" v="268" actId="14100"/>
+          <ac:spMkLst>
+            <pc:docMk/>
+            <pc:sldMk cId="2720470915" sldId="258"/>
+            <ac:spMk id="2" creationId="{83CA5470-48B8-D918-2DC2-734807145D87}"/>
+          </ac:spMkLst>
+        </pc:spChg>
+        <pc:spChg chg="add mod">
+          <ac:chgData name="Gil Keidar" userId="39bab330baa1541e" providerId="LiveId" clId="{2CC98FF6-1EC5-47A0-987A-5EFC7623735E}" dt="2025-05-15T00:52:20.840" v="421" actId="1038"/>
+          <ac:spMkLst>
+            <pc:docMk/>
+            <pc:sldMk cId="2720470915" sldId="258"/>
+            <ac:spMk id="3" creationId="{F43930A9-0529-0D3E-228A-63ED9183320B}"/>
+          </ac:spMkLst>
+        </pc:spChg>
+        <pc:spChg chg="mod">
+          <ac:chgData name="Gil Keidar" userId="39bab330baa1541e" providerId="LiveId" clId="{2CC98FF6-1EC5-47A0-987A-5EFC7623735E}" dt="2025-05-15T00:46:54.360" v="194" actId="1036"/>
+          <ac:spMkLst>
+            <pc:docMk/>
+            <pc:sldMk cId="2720470915" sldId="258"/>
+            <ac:spMk id="4" creationId="{15514A50-0DD3-DBB4-1BBB-354D710D4460}"/>
+          </ac:spMkLst>
+        </pc:spChg>
+        <pc:spChg chg="add del mod">
+          <ac:chgData name="Gil Keidar" userId="39bab330baa1541e" providerId="LiveId" clId="{2CC98FF6-1EC5-47A0-987A-5EFC7623735E}" dt="2025-05-15T00:43:41.202" v="24" actId="478"/>
+          <ac:spMkLst>
+            <pc:docMk/>
+            <pc:sldMk cId="2720470915" sldId="258"/>
+            <ac:spMk id="6" creationId="{FF287F91-E307-1F85-7E35-F419782DA2BC}"/>
+          </ac:spMkLst>
+        </pc:spChg>
+        <pc:spChg chg="add mod">
+          <ac:chgData name="Gil Keidar" userId="39bab330baa1541e" providerId="LiveId" clId="{2CC98FF6-1EC5-47A0-987A-5EFC7623735E}" dt="2025-05-15T00:52:43.874" v="422" actId="1035"/>
+          <ac:spMkLst>
+            <pc:docMk/>
+            <pc:sldMk cId="2720470915" sldId="258"/>
+            <ac:spMk id="7" creationId="{A40C3803-A733-7B73-68A1-B4CF4029B98B}"/>
+          </ac:spMkLst>
+        </pc:spChg>
+        <pc:spChg chg="del">
+          <ac:chgData name="Gil Keidar" userId="39bab330baa1541e" providerId="LiveId" clId="{2CC98FF6-1EC5-47A0-987A-5EFC7623735E}" dt="2025-05-15T00:44:29.353" v="114" actId="478"/>
+          <ac:spMkLst>
+            <pc:docMk/>
+            <pc:sldMk cId="2720470915" sldId="258"/>
+            <ac:spMk id="11" creationId="{503AAB37-8D07-F815-3786-BDD844BA7C28}"/>
+          </ac:spMkLst>
+        </pc:spChg>
+        <pc:spChg chg="mod">
+          <ac:chgData name="Gil Keidar" userId="39bab330baa1541e" providerId="LiveId" clId="{2CC98FF6-1EC5-47A0-987A-5EFC7623735E}" dt="2025-05-15T00:47:20.046" v="205" actId="1036"/>
+          <ac:spMkLst>
+            <pc:docMk/>
+            <pc:sldMk cId="2720470915" sldId="258"/>
+            <ac:spMk id="22" creationId="{507E6B4F-DB05-7A96-4563-5F1C6889E90F}"/>
+          </ac:spMkLst>
+        </pc:spChg>
+        <pc:spChg chg="mod">
+          <ac:chgData name="Gil Keidar" userId="39bab330baa1541e" providerId="LiveId" clId="{2CC98FF6-1EC5-47A0-987A-5EFC7623735E}" dt="2025-05-15T00:47:20.046" v="205" actId="1036"/>
+          <ac:spMkLst>
+            <pc:docMk/>
+            <pc:sldMk cId="2720470915" sldId="258"/>
+            <ac:spMk id="26" creationId="{BEA88E26-8A68-4652-DD41-13CAB8F46F5C}"/>
+          </ac:spMkLst>
+        </pc:spChg>
+        <pc:spChg chg="add mod">
+          <ac:chgData name="Gil Keidar" userId="39bab330baa1541e" providerId="LiveId" clId="{2CC98FF6-1EC5-47A0-987A-5EFC7623735E}" dt="2025-05-15T00:49:06.372" v="247" actId="14100"/>
+          <ac:spMkLst>
+            <pc:docMk/>
+            <pc:sldMk cId="2720470915" sldId="258"/>
+            <ac:spMk id="49" creationId="{9CAD5602-F511-F404-0918-5CDD32604F8D}"/>
+          </ac:spMkLst>
+        </pc:spChg>
+        <pc:spChg chg="add mod">
+          <ac:chgData name="Gil Keidar" userId="39bab330baa1541e" providerId="LiveId" clId="{2CC98FF6-1EC5-47A0-987A-5EFC7623735E}" dt="2025-05-15T00:49:12.552" v="254" actId="14100"/>
+          <ac:spMkLst>
+            <pc:docMk/>
+            <pc:sldMk cId="2720470915" sldId="258"/>
+            <ac:spMk id="50" creationId="{D630D9A3-452D-250F-DFF2-A7FEFEF4F66D}"/>
+          </ac:spMkLst>
+        </pc:spChg>
+        <pc:spChg chg="add mod">
+          <ac:chgData name="Gil Keidar" userId="39bab330baa1541e" providerId="LiveId" clId="{2CC98FF6-1EC5-47A0-987A-5EFC7623735E}" dt="2025-05-15T00:49:30.226" v="267" actId="20577"/>
+          <ac:spMkLst>
+            <pc:docMk/>
+            <pc:sldMk cId="2720470915" sldId="258"/>
+            <ac:spMk id="53" creationId="{51AC1870-8E87-681C-ABEC-892C8C89F293}"/>
+          </ac:spMkLst>
+        </pc:spChg>
+        <pc:spChg chg="add mod">
+          <ac:chgData name="Gil Keidar" userId="39bab330baa1541e" providerId="LiveId" clId="{2CC98FF6-1EC5-47A0-987A-5EFC7623735E}" dt="2025-05-15T00:49:25.840" v="263" actId="14100"/>
+          <ac:spMkLst>
+            <pc:docMk/>
+            <pc:sldMk cId="2720470915" sldId="258"/>
+            <ac:spMk id="54" creationId="{27FAEB49-4173-19DF-5A23-AD86BDF71006}"/>
+          </ac:spMkLst>
+        </pc:spChg>
+        <pc:spChg chg="add mod">
+          <ac:chgData name="Gil Keidar" userId="39bab330baa1541e" providerId="LiveId" clId="{2CC98FF6-1EC5-47A0-987A-5EFC7623735E}" dt="2025-05-15T00:49:28.859" v="265" actId="14100"/>
+          <ac:spMkLst>
+            <pc:docMk/>
+            <pc:sldMk cId="2720470915" sldId="258"/>
+            <ac:spMk id="55" creationId="{B5DB0090-A930-9F6A-B657-DF04E5831BCF}"/>
+          </ac:spMkLst>
+        </pc:spChg>
+        <pc:spChg chg="mod">
+          <ac:chgData name="Gil Keidar" userId="39bab330baa1541e" providerId="LiveId" clId="{2CC98FF6-1EC5-47A0-987A-5EFC7623735E}" dt="2025-05-15T00:46:54.360" v="194" actId="1036"/>
+          <ac:spMkLst>
+            <pc:docMk/>
+            <pc:sldMk cId="2720470915" sldId="258"/>
+            <ac:spMk id="68" creationId="{910B96B0-09EA-A47F-2A53-A6A921A9ED01}"/>
+          </ac:spMkLst>
+        </pc:spChg>
+        <pc:spChg chg="mod">
+          <ac:chgData name="Gil Keidar" userId="39bab330baa1541e" providerId="LiveId" clId="{2CC98FF6-1EC5-47A0-987A-5EFC7623735E}" dt="2025-05-15T00:44:23.967" v="113" actId="1037"/>
+          <ac:spMkLst>
+            <pc:docMk/>
+            <pc:sldMk cId="2720470915" sldId="258"/>
+            <ac:spMk id="72" creationId="{677DB761-A83A-3D89-AEB0-3828FC846256}"/>
+          </ac:spMkLst>
+        </pc:spChg>
+        <pc:spChg chg="mod">
+          <ac:chgData name="Gil Keidar" userId="39bab330baa1541e" providerId="LiveId" clId="{2CC98FF6-1EC5-47A0-987A-5EFC7623735E}" dt="2025-05-15T00:44:23.967" v="113" actId="1037"/>
+          <ac:spMkLst>
+            <pc:docMk/>
+            <pc:sldMk cId="2720470915" sldId="258"/>
+            <ac:spMk id="73" creationId="{80088F01-CB22-4857-64D2-FE0347CAE8CC}"/>
+          </ac:spMkLst>
+        </pc:spChg>
+        <pc:spChg chg="mod">
+          <ac:chgData name="Gil Keidar" userId="39bab330baa1541e" providerId="LiveId" clId="{2CC98FF6-1EC5-47A0-987A-5EFC7623735E}" dt="2025-05-15T00:44:23.967" v="113" actId="1037"/>
+          <ac:spMkLst>
+            <pc:docMk/>
+            <pc:sldMk cId="2720470915" sldId="258"/>
+            <ac:spMk id="74" creationId="{722B7F13-39C5-18EF-377A-6445EB164394}"/>
+          </ac:spMkLst>
+        </pc:spChg>
+        <pc:spChg chg="mod">
+          <ac:chgData name="Gil Keidar" userId="39bab330baa1541e" providerId="LiveId" clId="{2CC98FF6-1EC5-47A0-987A-5EFC7623735E}" dt="2025-05-15T00:44:23.967" v="113" actId="1037"/>
+          <ac:spMkLst>
+            <pc:docMk/>
+            <pc:sldMk cId="2720470915" sldId="258"/>
+            <ac:spMk id="75" creationId="{6A6DBAA7-FE12-B970-47A2-B9B800CE17F7}"/>
+          </ac:spMkLst>
+        </pc:spChg>
+        <pc:cxnChg chg="mod">
+          <ac:chgData name="Gil Keidar" userId="39bab330baa1541e" providerId="LiveId" clId="{2CC98FF6-1EC5-47A0-987A-5EFC7623735E}" dt="2025-05-15T00:46:54.360" v="194" actId="1036"/>
+          <ac:cxnSpMkLst>
+            <pc:docMk/>
+            <pc:sldMk cId="2720470915" sldId="258"/>
+            <ac:cxnSpMk id="12" creationId="{3A6F6236-9567-8DEF-8162-57F3F292F688}"/>
+          </ac:cxnSpMkLst>
+        </pc:cxnChg>
+        <pc:cxnChg chg="mod">
+          <ac:chgData name="Gil Keidar" userId="39bab330baa1541e" providerId="LiveId" clId="{2CC98FF6-1EC5-47A0-987A-5EFC7623735E}" dt="2025-05-15T00:46:54.360" v="194" actId="1036"/>
+          <ac:cxnSpMkLst>
+            <pc:docMk/>
+            <pc:sldMk cId="2720470915" sldId="258"/>
+            <ac:cxnSpMk id="18" creationId="{F85F40B2-99B3-99ED-99FA-5552EDD323CB}"/>
+          </ac:cxnSpMkLst>
+        </pc:cxnChg>
+        <pc:cxnChg chg="mod">
+          <ac:chgData name="Gil Keidar" userId="39bab330baa1541e" providerId="LiveId" clId="{2CC98FF6-1EC5-47A0-987A-5EFC7623735E}" dt="2025-05-15T00:47:20.046" v="205" actId="1036"/>
+          <ac:cxnSpMkLst>
+            <pc:docMk/>
+            <pc:sldMk cId="2720470915" sldId="258"/>
+            <ac:cxnSpMk id="19" creationId="{6D57B202-94B7-5B41-B831-B07785F22AED}"/>
+          </ac:cxnSpMkLst>
+        </pc:cxnChg>
+        <pc:cxnChg chg="del mod">
+          <ac:chgData name="Gil Keidar" userId="39bab330baa1541e" providerId="LiveId" clId="{2CC98FF6-1EC5-47A0-987A-5EFC7623735E}" dt="2025-05-15T00:44:31.586" v="115" actId="478"/>
+          <ac:cxnSpMkLst>
+            <pc:docMk/>
+            <pc:sldMk cId="2720470915" sldId="258"/>
+            <ac:cxnSpMk id="21" creationId="{992C7326-B841-BC7A-E176-61902EEFFB02}"/>
+          </ac:cxnSpMkLst>
+        </pc:cxnChg>
+        <pc:cxnChg chg="add mod">
+          <ac:chgData name="Gil Keidar" userId="39bab330baa1541e" providerId="LiveId" clId="{2CC98FF6-1EC5-47A0-987A-5EFC7623735E}" dt="2025-05-15T00:52:43.874" v="422" actId="1035"/>
+          <ac:cxnSpMkLst>
+            <pc:docMk/>
+            <pc:sldMk cId="2720470915" sldId="258"/>
+            <ac:cxnSpMk id="30" creationId="{DC200234-1F57-CB79-C6DC-7CC9F4D959E1}"/>
+          </ac:cxnSpMkLst>
+        </pc:cxnChg>
+        <pc:cxnChg chg="add mod">
+          <ac:chgData name="Gil Keidar" userId="39bab330baa1541e" providerId="LiveId" clId="{2CC98FF6-1EC5-47A0-987A-5EFC7623735E}" dt="2025-05-15T00:52:43.874" v="422" actId="1035"/>
+          <ac:cxnSpMkLst>
+            <pc:docMk/>
+            <pc:sldMk cId="2720470915" sldId="258"/>
+            <ac:cxnSpMk id="33" creationId="{39F8D554-C5F6-CF9E-9B32-6AB3B30355BE}"/>
+          </ac:cxnSpMkLst>
+        </pc:cxnChg>
+        <pc:cxnChg chg="add mod">
+          <ac:chgData name="Gil Keidar" userId="39bab330baa1541e" providerId="LiveId" clId="{2CC98FF6-1EC5-47A0-987A-5EFC7623735E}" dt="2025-05-15T00:52:43.874" v="422" actId="1035"/>
+          <ac:cxnSpMkLst>
+            <pc:docMk/>
+            <pc:sldMk cId="2720470915" sldId="258"/>
+            <ac:cxnSpMk id="37" creationId="{5FBF11DE-1732-BD90-E5E1-89C24B225F53}"/>
+          </ac:cxnSpMkLst>
+        </pc:cxnChg>
+        <pc:cxnChg chg="add mod">
+          <ac:chgData name="Gil Keidar" userId="39bab330baa1541e" providerId="LiveId" clId="{2CC98FF6-1EC5-47A0-987A-5EFC7623735E}" dt="2025-05-15T00:52:02.556" v="363" actId="14100"/>
+          <ac:cxnSpMkLst>
+            <pc:docMk/>
+            <pc:sldMk cId="2720470915" sldId="258"/>
+            <ac:cxnSpMk id="41" creationId="{C5144509-28BD-03CC-A42E-E38B722E704F}"/>
+          </ac:cxnSpMkLst>
+        </pc:cxnChg>
+        <pc:cxnChg chg="del mod">
+          <ac:chgData name="Gil Keidar" userId="39bab330baa1541e" providerId="LiveId" clId="{2CC98FF6-1EC5-47A0-987A-5EFC7623735E}" dt="2025-05-15T00:44:38.874" v="119" actId="478"/>
+          <ac:cxnSpMkLst>
+            <pc:docMk/>
+            <pc:sldMk cId="2720470915" sldId="258"/>
+            <ac:cxnSpMk id="42" creationId="{D0C61FC6-B3DE-6C80-B66B-5E42FBB1C5E0}"/>
+          </ac:cxnSpMkLst>
+        </pc:cxnChg>
+        <pc:cxnChg chg="add mod">
+          <ac:chgData name="Gil Keidar" userId="39bab330baa1541e" providerId="LiveId" clId="{2CC98FF6-1EC5-47A0-987A-5EFC7623735E}" dt="2025-05-15T00:52:43.874" v="422" actId="1035"/>
+          <ac:cxnSpMkLst>
+            <pc:docMk/>
+            <pc:sldMk cId="2720470915" sldId="258"/>
+            <ac:cxnSpMk id="45" creationId="{31E073DE-C043-988E-A0F9-2A94CD98B24F}"/>
+          </ac:cxnSpMkLst>
+        </pc:cxnChg>
+        <pc:cxnChg chg="del mod">
+          <ac:chgData name="Gil Keidar" userId="39bab330baa1541e" providerId="LiveId" clId="{2CC98FF6-1EC5-47A0-987A-5EFC7623735E}" dt="2025-05-15T00:44:37.141" v="118" actId="478"/>
+          <ac:cxnSpMkLst>
+            <pc:docMk/>
+            <pc:sldMk cId="2720470915" sldId="258"/>
+            <ac:cxnSpMk id="56" creationId="{5C60F605-D496-CC63-4664-7A866E560AE0}"/>
+          </ac:cxnSpMkLst>
+        </pc:cxnChg>
+        <pc:cxnChg chg="del mod">
+          <ac:chgData name="Gil Keidar" userId="39bab330baa1541e" providerId="LiveId" clId="{2CC98FF6-1EC5-47A0-987A-5EFC7623735E}" dt="2025-05-15T00:44:35.915" v="117" actId="478"/>
+          <ac:cxnSpMkLst>
+            <pc:docMk/>
+            <pc:sldMk cId="2720470915" sldId="258"/>
+            <ac:cxnSpMk id="59" creationId="{B65336FD-8007-C123-F1CA-5E14D9F905FC}"/>
+          </ac:cxnSpMkLst>
+        </pc:cxnChg>
+        <pc:cxnChg chg="mod">
+          <ac:chgData name="Gil Keidar" userId="39bab330baa1541e" providerId="LiveId" clId="{2CC98FF6-1EC5-47A0-987A-5EFC7623735E}" dt="2025-05-15T00:45:32.453" v="132" actId="14100"/>
+          <ac:cxnSpMkLst>
+            <pc:docMk/>
+            <pc:sldMk cId="2720470915" sldId="258"/>
+            <ac:cxnSpMk id="62" creationId="{73C5E00E-02B0-8234-CC5F-EDCFDD14C979}"/>
+          </ac:cxnSpMkLst>
+        </pc:cxnChg>
+        <pc:cxnChg chg="mod">
+          <ac:chgData name="Gil Keidar" userId="39bab330baa1541e" providerId="LiveId" clId="{2CC98FF6-1EC5-47A0-987A-5EFC7623735E}" dt="2025-05-15T00:45:36.238" v="133" actId="14100"/>
+          <ac:cxnSpMkLst>
+            <pc:docMk/>
+            <pc:sldMk cId="2720470915" sldId="258"/>
+            <ac:cxnSpMk id="65" creationId="{B08CE514-2CA7-F85A-2CA9-DA86F83B29BB}"/>
+          </ac:cxnSpMkLst>
+        </pc:cxnChg>
+      </pc:sldChg>
+    </pc:docChg>
+  </pc:docChgLst>
   <pc:docChgLst>
     <pc:chgData name="Gil Keidar" userId="39bab330baa1541e" providerId="LiveId" clId="{1995C4C5-9019-41DC-B401-A8E6467EF074}"/>
     <pc:docChg chg="undo custSel addSld modSld">
@@ -131,118 +409,6 @@
           <pc:docMk/>
           <pc:sldMk cId="786954632" sldId="256"/>
         </pc:sldMkLst>
-        <pc:spChg chg="del">
-          <ac:chgData name="Gil Keidar" userId="39bab330baa1541e" providerId="LiveId" clId="{1995C4C5-9019-41DC-B401-A8E6467EF074}" dt="2024-09-25T20:22:42.743" v="1" actId="478"/>
-          <ac:spMkLst>
-            <pc:docMk/>
-            <pc:sldMk cId="786954632" sldId="256"/>
-            <ac:spMk id="2" creationId="{A4ECCE97-6FF9-3C59-BBF4-E33650E9FE23}"/>
-          </ac:spMkLst>
-        </pc:spChg>
-        <pc:spChg chg="del">
-          <ac:chgData name="Gil Keidar" userId="39bab330baa1541e" providerId="LiveId" clId="{1995C4C5-9019-41DC-B401-A8E6467EF074}" dt="2024-09-25T20:22:42.743" v="1" actId="478"/>
-          <ac:spMkLst>
-            <pc:docMk/>
-            <pc:sldMk cId="786954632" sldId="256"/>
-            <ac:spMk id="3" creationId="{0D43D5AD-1D8F-81C9-0012-557C0017B50B}"/>
-          </ac:spMkLst>
-        </pc:spChg>
-        <pc:spChg chg="add mod">
-          <ac:chgData name="Gil Keidar" userId="39bab330baa1541e" providerId="LiveId" clId="{1995C4C5-9019-41DC-B401-A8E6467EF074}" dt="2024-09-25T20:34:12.277" v="113" actId="1076"/>
-          <ac:spMkLst>
-            <pc:docMk/>
-            <pc:sldMk cId="786954632" sldId="256"/>
-            <ac:spMk id="4" creationId="{D718F1C0-85FB-15B0-E870-F54DA3C3F0CF}"/>
-          </ac:spMkLst>
-        </pc:spChg>
-        <pc:spChg chg="add mod">
-          <ac:chgData name="Gil Keidar" userId="39bab330baa1541e" providerId="LiveId" clId="{1995C4C5-9019-41DC-B401-A8E6467EF074}" dt="2024-09-25T20:34:28.974" v="116" actId="1076"/>
-          <ac:spMkLst>
-            <pc:docMk/>
-            <pc:sldMk cId="786954632" sldId="256"/>
-            <ac:spMk id="5" creationId="{56697FFC-8127-2C88-548B-321EF2C475BD}"/>
-          </ac:spMkLst>
-        </pc:spChg>
-        <pc:spChg chg="add del mod">
-          <ac:chgData name="Gil Keidar" userId="39bab330baa1541e" providerId="LiveId" clId="{1995C4C5-9019-41DC-B401-A8E6467EF074}" dt="2024-09-25T20:30:57.750" v="85" actId="22"/>
-          <ac:spMkLst>
-            <pc:docMk/>
-            <pc:sldMk cId="786954632" sldId="256"/>
-            <ac:spMk id="7" creationId="{D301FA9D-5CD4-2F07-B346-30EF13CD68BD}"/>
-          </ac:spMkLst>
-        </pc:spChg>
-        <pc:spChg chg="add del">
-          <ac:chgData name="Gil Keidar" userId="39bab330baa1541e" providerId="LiveId" clId="{1995C4C5-9019-41DC-B401-A8E6467EF074}" dt="2024-09-25T20:31:00.278" v="87" actId="22"/>
-          <ac:spMkLst>
-            <pc:docMk/>
-            <pc:sldMk cId="786954632" sldId="256"/>
-            <ac:spMk id="9" creationId="{74A34559-496D-AAAB-B469-4B17BDE99A21}"/>
-          </ac:spMkLst>
-        </pc:spChg>
-        <pc:spChg chg="add del">
-          <ac:chgData name="Gil Keidar" userId="39bab330baa1541e" providerId="LiveId" clId="{1995C4C5-9019-41DC-B401-A8E6467EF074}" dt="2024-09-25T20:31:01.428" v="89" actId="22"/>
-          <ac:spMkLst>
-            <pc:docMk/>
-            <pc:sldMk cId="786954632" sldId="256"/>
-            <ac:spMk id="11" creationId="{379D977C-BBFB-0F50-4C7D-08E96C9EB905}"/>
-          </ac:spMkLst>
-        </pc:spChg>
-        <pc:spChg chg="add del mod">
-          <ac:chgData name="Gil Keidar" userId="39bab330baa1541e" providerId="LiveId" clId="{1995C4C5-9019-41DC-B401-A8E6467EF074}" dt="2024-09-25T20:32:06.634" v="94" actId="478"/>
-          <ac:spMkLst>
-            <pc:docMk/>
-            <pc:sldMk cId="786954632" sldId="256"/>
-            <ac:spMk id="12" creationId="{067485AD-9743-33D8-0CED-268439E8D54A}"/>
-          </ac:spMkLst>
-        </pc:spChg>
-        <pc:spChg chg="add del">
-          <ac:chgData name="Gil Keidar" userId="39bab330baa1541e" providerId="LiveId" clId="{1995C4C5-9019-41DC-B401-A8E6467EF074}" dt="2024-09-25T20:32:03.850" v="93" actId="22"/>
-          <ac:spMkLst>
-            <pc:docMk/>
-            <pc:sldMk cId="786954632" sldId="256"/>
-            <ac:spMk id="14" creationId="{13FD3055-945C-8028-7C51-4F02E411B386}"/>
-          </ac:spMkLst>
-        </pc:spChg>
-        <pc:spChg chg="add mod">
-          <ac:chgData name="Gil Keidar" userId="39bab330baa1541e" providerId="LiveId" clId="{1995C4C5-9019-41DC-B401-A8E6467EF074}" dt="2024-09-25T20:34:33.019" v="117" actId="1076"/>
-          <ac:spMkLst>
-            <pc:docMk/>
-            <pc:sldMk cId="786954632" sldId="256"/>
-            <ac:spMk id="16" creationId="{175032AB-7E3E-1B29-987C-8607A65BA62C}"/>
-          </ac:spMkLst>
-        </pc:spChg>
-        <pc:spChg chg="add mod">
-          <ac:chgData name="Gil Keidar" userId="39bab330baa1541e" providerId="LiveId" clId="{1995C4C5-9019-41DC-B401-A8E6467EF074}" dt="2024-09-25T20:36:23.777" v="178" actId="1076"/>
-          <ac:spMkLst>
-            <pc:docMk/>
-            <pc:sldMk cId="786954632" sldId="256"/>
-            <ac:spMk id="22" creationId="{9D5046B2-B81A-A217-6D8F-6262071A5CCE}"/>
-          </ac:spMkLst>
-        </pc:spChg>
-        <pc:spChg chg="add mod">
-          <ac:chgData name="Gil Keidar" userId="39bab330baa1541e" providerId="LiveId" clId="{1995C4C5-9019-41DC-B401-A8E6467EF074}" dt="2024-09-25T20:37:03.507" v="202" actId="1076"/>
-          <ac:spMkLst>
-            <pc:docMk/>
-            <pc:sldMk cId="786954632" sldId="256"/>
-            <ac:spMk id="26" creationId="{254A8F72-1E6B-7E21-B4DF-84DCE8A19827}"/>
-          </ac:spMkLst>
-        </pc:spChg>
-        <pc:cxnChg chg="add mod">
-          <ac:chgData name="Gil Keidar" userId="39bab330baa1541e" providerId="LiveId" clId="{1995C4C5-9019-41DC-B401-A8E6467EF074}" dt="2024-09-25T20:35:02.676" v="119" actId="14861"/>
-          <ac:cxnSpMkLst>
-            <pc:docMk/>
-            <pc:sldMk cId="786954632" sldId="256"/>
-            <ac:cxnSpMk id="18" creationId="{01F844F2-37C0-5332-80E9-26B7092FD7EC}"/>
-          </ac:cxnSpMkLst>
-        </pc:cxnChg>
-        <pc:cxnChg chg="add mod">
-          <ac:chgData name="Gil Keidar" userId="39bab330baa1541e" providerId="LiveId" clId="{1995C4C5-9019-41DC-B401-A8E6467EF074}" dt="2024-09-25T20:36:23.777" v="178" actId="1076"/>
-          <ac:cxnSpMkLst>
-            <pc:docMk/>
-            <pc:sldMk cId="786954632" sldId="256"/>
-            <ac:cxnSpMk id="19" creationId="{465D3817-67EC-DCEF-72C4-7B6438181D77}"/>
-          </ac:cxnSpMkLst>
-        </pc:cxnChg>
       </pc:sldChg>
       <pc:sldChg chg="addSp delSp modSp add mod">
         <pc:chgData name="Gil Keidar" userId="39bab330baa1541e" providerId="LiveId" clId="{1995C4C5-9019-41DC-B401-A8E6467EF074}" dt="2024-09-25T20:48:47.666" v="473" actId="20577"/>
@@ -250,270 +416,6 @@
           <pc:docMk/>
           <pc:sldMk cId="931567671" sldId="257"/>
         </pc:sldMkLst>
-        <pc:spChg chg="mod">
-          <ac:chgData name="Gil Keidar" userId="39bab330baa1541e" providerId="LiveId" clId="{1995C4C5-9019-41DC-B401-A8E6467EF074}" dt="2024-09-25T20:48:12.839" v="456" actId="1076"/>
-          <ac:spMkLst>
-            <pc:docMk/>
-            <pc:sldMk cId="931567671" sldId="257"/>
-            <ac:spMk id="4" creationId="{D718F1C0-85FB-15B0-E870-F54DA3C3F0CF}"/>
-          </ac:spMkLst>
-        </pc:spChg>
-        <pc:spChg chg="mod">
-          <ac:chgData name="Gil Keidar" userId="39bab330baa1541e" providerId="LiveId" clId="{1995C4C5-9019-41DC-B401-A8E6467EF074}" dt="2024-09-25T20:48:12.839" v="456" actId="1076"/>
-          <ac:spMkLst>
-            <pc:docMk/>
-            <pc:sldMk cId="931567671" sldId="257"/>
-            <ac:spMk id="5" creationId="{56697FFC-8127-2C88-548B-321EF2C475BD}"/>
-          </ac:spMkLst>
-        </pc:spChg>
-        <pc:spChg chg="add mod">
-          <ac:chgData name="Gil Keidar" userId="39bab330baa1541e" providerId="LiveId" clId="{1995C4C5-9019-41DC-B401-A8E6467EF074}" dt="2024-09-25T20:48:12.839" v="456" actId="1076"/>
-          <ac:spMkLst>
-            <pc:docMk/>
-            <pc:sldMk cId="931567671" sldId="257"/>
-            <ac:spMk id="11" creationId="{C8C17A9C-5B05-8F13-ACF7-BDE16B3CB587}"/>
-          </ac:spMkLst>
-        </pc:spChg>
-        <pc:spChg chg="mod">
-          <ac:chgData name="Gil Keidar" userId="39bab330baa1541e" providerId="LiveId" clId="{1995C4C5-9019-41DC-B401-A8E6467EF074}" dt="2024-09-25T20:48:12.839" v="456" actId="1076"/>
-          <ac:spMkLst>
-            <pc:docMk/>
-            <pc:sldMk cId="931567671" sldId="257"/>
-            <ac:spMk id="16" creationId="{175032AB-7E3E-1B29-987C-8607A65BA62C}"/>
-          </ac:spMkLst>
-        </pc:spChg>
-        <pc:spChg chg="add mod">
-          <ac:chgData name="Gil Keidar" userId="39bab330baa1541e" providerId="LiveId" clId="{1995C4C5-9019-41DC-B401-A8E6467EF074}" dt="2024-09-25T20:48:12.839" v="456" actId="1076"/>
-          <ac:spMkLst>
-            <pc:docMk/>
-            <pc:sldMk cId="931567671" sldId="257"/>
-            <ac:spMk id="17" creationId="{C012D3A9-D1F8-CA30-2774-28420D60355D}"/>
-          </ac:spMkLst>
-        </pc:spChg>
-        <pc:spChg chg="mod">
-          <ac:chgData name="Gil Keidar" userId="39bab330baa1541e" providerId="LiveId" clId="{1995C4C5-9019-41DC-B401-A8E6467EF074}" dt="2024-09-25T20:48:12.839" v="456" actId="1076"/>
-          <ac:spMkLst>
-            <pc:docMk/>
-            <pc:sldMk cId="931567671" sldId="257"/>
-            <ac:spMk id="22" creationId="{9D5046B2-B81A-A217-6D8F-6262071A5CCE}"/>
-          </ac:spMkLst>
-        </pc:spChg>
-        <pc:spChg chg="mod">
-          <ac:chgData name="Gil Keidar" userId="39bab330baa1541e" providerId="LiveId" clId="{1995C4C5-9019-41DC-B401-A8E6467EF074}" dt="2024-09-25T20:48:12.839" v="456" actId="1076"/>
-          <ac:spMkLst>
-            <pc:docMk/>
-            <pc:sldMk cId="931567671" sldId="257"/>
-            <ac:spMk id="26" creationId="{254A8F72-1E6B-7E21-B4DF-84DCE8A19827}"/>
-          </ac:spMkLst>
-        </pc:spChg>
-        <pc:spChg chg="add mod">
-          <ac:chgData name="Gil Keidar" userId="39bab330baa1541e" providerId="LiveId" clId="{1995C4C5-9019-41DC-B401-A8E6467EF074}" dt="2024-09-25T20:48:12.839" v="456" actId="1076"/>
-          <ac:spMkLst>
-            <pc:docMk/>
-            <pc:sldMk cId="931567671" sldId="257"/>
-            <ac:spMk id="27" creationId="{3D32921E-A5D4-B9D1-84E8-BA0884FBC525}"/>
-          </ac:spMkLst>
-        </pc:spChg>
-        <pc:spChg chg="add mod">
-          <ac:chgData name="Gil Keidar" userId="39bab330baa1541e" providerId="LiveId" clId="{1995C4C5-9019-41DC-B401-A8E6467EF074}" dt="2024-09-25T20:48:12.839" v="456" actId="1076"/>
-          <ac:spMkLst>
-            <pc:docMk/>
-            <pc:sldMk cId="931567671" sldId="257"/>
-            <ac:spMk id="34" creationId="{E64DDC70-81CB-DB04-50C8-CE9E342D7CC1}"/>
-          </ac:spMkLst>
-        </pc:spChg>
-        <pc:spChg chg="add del mod">
-          <ac:chgData name="Gil Keidar" userId="39bab330baa1541e" providerId="LiveId" clId="{1995C4C5-9019-41DC-B401-A8E6467EF074}" dt="2024-09-25T20:45:16.503" v="364" actId="478"/>
-          <ac:spMkLst>
-            <pc:docMk/>
-            <pc:sldMk cId="931567671" sldId="257"/>
-            <ac:spMk id="46" creationId="{7E833435-C767-5D3F-14B1-DC69FD16B485}"/>
-          </ac:spMkLst>
-        </pc:spChg>
-        <pc:spChg chg="add mod">
-          <ac:chgData name="Gil Keidar" userId="39bab330baa1541e" providerId="LiveId" clId="{1995C4C5-9019-41DC-B401-A8E6467EF074}" dt="2024-09-25T20:48:12.839" v="456" actId="1076"/>
-          <ac:spMkLst>
-            <pc:docMk/>
-            <pc:sldMk cId="931567671" sldId="257"/>
-            <ac:spMk id="47" creationId="{24B6A2FD-AD23-875B-F12A-316F00C0F6D5}"/>
-          </ac:spMkLst>
-        </pc:spChg>
-        <pc:spChg chg="add mod">
-          <ac:chgData name="Gil Keidar" userId="39bab330baa1541e" providerId="LiveId" clId="{1995C4C5-9019-41DC-B401-A8E6467EF074}" dt="2024-09-25T20:48:12.839" v="456" actId="1076"/>
-          <ac:spMkLst>
-            <pc:docMk/>
-            <pc:sldMk cId="931567671" sldId="257"/>
-            <ac:spMk id="51" creationId="{408C1BBD-1C0F-92EF-9F3E-C1ED2EF91541}"/>
-          </ac:spMkLst>
-        </pc:spChg>
-        <pc:spChg chg="add mod">
-          <ac:chgData name="Gil Keidar" userId="39bab330baa1541e" providerId="LiveId" clId="{1995C4C5-9019-41DC-B401-A8E6467EF074}" dt="2024-09-25T20:48:17.886" v="457" actId="1076"/>
-          <ac:spMkLst>
-            <pc:docMk/>
-            <pc:sldMk cId="931567671" sldId="257"/>
-            <ac:spMk id="68" creationId="{E70A2789-6F04-69B2-FE46-781F1FF46ACB}"/>
-          </ac:spMkLst>
-        </pc:spChg>
-        <pc:spChg chg="add mod">
-          <ac:chgData name="Gil Keidar" userId="39bab330baa1541e" providerId="LiveId" clId="{1995C4C5-9019-41DC-B401-A8E6467EF074}" dt="2024-09-25T20:48:25.559" v="461" actId="20577"/>
-          <ac:spMkLst>
-            <pc:docMk/>
-            <pc:sldMk cId="931567671" sldId="257"/>
-            <ac:spMk id="72" creationId="{F41232DA-99B7-496C-3BCD-0D34EDC5D211}"/>
-          </ac:spMkLst>
-        </pc:spChg>
-        <pc:spChg chg="add mod">
-          <ac:chgData name="Gil Keidar" userId="39bab330baa1541e" providerId="LiveId" clId="{1995C4C5-9019-41DC-B401-A8E6467EF074}" dt="2024-09-25T20:48:32.549" v="465" actId="20577"/>
-          <ac:spMkLst>
-            <pc:docMk/>
-            <pc:sldMk cId="931567671" sldId="257"/>
-            <ac:spMk id="73" creationId="{C666E499-B3D5-FFE9-290B-453010933CD8}"/>
-          </ac:spMkLst>
-        </pc:spChg>
-        <pc:spChg chg="add mod">
-          <ac:chgData name="Gil Keidar" userId="39bab330baa1541e" providerId="LiveId" clId="{1995C4C5-9019-41DC-B401-A8E6467EF074}" dt="2024-09-25T20:48:42.071" v="469" actId="20577"/>
-          <ac:spMkLst>
-            <pc:docMk/>
-            <pc:sldMk cId="931567671" sldId="257"/>
-            <ac:spMk id="74" creationId="{9EBFCE4D-C8B6-A248-4EB8-65B8A5517519}"/>
-          </ac:spMkLst>
-        </pc:spChg>
-        <pc:spChg chg="add mod">
-          <ac:chgData name="Gil Keidar" userId="39bab330baa1541e" providerId="LiveId" clId="{1995C4C5-9019-41DC-B401-A8E6467EF074}" dt="2024-09-25T20:48:47.666" v="473" actId="20577"/>
-          <ac:spMkLst>
-            <pc:docMk/>
-            <pc:sldMk cId="931567671" sldId="257"/>
-            <ac:spMk id="75" creationId="{2F4455E5-BAB5-B0C0-E78A-9E5F99CA40FB}"/>
-          </ac:spMkLst>
-        </pc:spChg>
-        <pc:cxnChg chg="add mod">
-          <ac:chgData name="Gil Keidar" userId="39bab330baa1541e" providerId="LiveId" clId="{1995C4C5-9019-41DC-B401-A8E6467EF074}" dt="2024-09-25T20:48:12.839" v="456" actId="1076"/>
-          <ac:cxnSpMkLst>
-            <pc:docMk/>
-            <pc:sldMk cId="931567671" sldId="257"/>
-            <ac:cxnSpMk id="12" creationId="{DA42FEA7-7EFF-261C-8E9E-DC029E4A8F95}"/>
-          </ac:cxnSpMkLst>
-        </pc:cxnChg>
-        <pc:cxnChg chg="mod">
-          <ac:chgData name="Gil Keidar" userId="39bab330baa1541e" providerId="LiveId" clId="{1995C4C5-9019-41DC-B401-A8E6467EF074}" dt="2024-09-25T20:48:12.839" v="456" actId="1076"/>
-          <ac:cxnSpMkLst>
-            <pc:docMk/>
-            <pc:sldMk cId="931567671" sldId="257"/>
-            <ac:cxnSpMk id="18" creationId="{01F844F2-37C0-5332-80E9-26B7092FD7EC}"/>
-          </ac:cxnSpMkLst>
-        </pc:cxnChg>
-        <pc:cxnChg chg="mod">
-          <ac:chgData name="Gil Keidar" userId="39bab330baa1541e" providerId="LiveId" clId="{1995C4C5-9019-41DC-B401-A8E6467EF074}" dt="2024-09-25T20:48:12.839" v="456" actId="1076"/>
-          <ac:cxnSpMkLst>
-            <pc:docMk/>
-            <pc:sldMk cId="931567671" sldId="257"/>
-            <ac:cxnSpMk id="19" creationId="{465D3817-67EC-DCEF-72C4-7B6438181D77}"/>
-          </ac:cxnSpMkLst>
-        </pc:cxnChg>
-        <pc:cxnChg chg="add mod">
-          <ac:chgData name="Gil Keidar" userId="39bab330baa1541e" providerId="LiveId" clId="{1995C4C5-9019-41DC-B401-A8E6467EF074}" dt="2024-09-25T20:48:12.839" v="456" actId="1076"/>
-          <ac:cxnSpMkLst>
-            <pc:docMk/>
-            <pc:sldMk cId="931567671" sldId="257"/>
-            <ac:cxnSpMk id="20" creationId="{102FCFC5-44F5-7515-4536-8E14D93CC9F6}"/>
-          </ac:cxnSpMkLst>
-        </pc:cxnChg>
-        <pc:cxnChg chg="add mod">
-          <ac:chgData name="Gil Keidar" userId="39bab330baa1541e" providerId="LiveId" clId="{1995C4C5-9019-41DC-B401-A8E6467EF074}" dt="2024-09-25T20:48:12.839" v="456" actId="1076"/>
-          <ac:cxnSpMkLst>
-            <pc:docMk/>
-            <pc:sldMk cId="931567671" sldId="257"/>
-            <ac:cxnSpMk id="21" creationId="{DB43CAF9-42F1-5A2F-2D14-D0196F343219}"/>
-          </ac:cxnSpMkLst>
-        </pc:cxnChg>
-        <pc:cxnChg chg="add mod">
-          <ac:chgData name="Gil Keidar" userId="39bab330baa1541e" providerId="LiveId" clId="{1995C4C5-9019-41DC-B401-A8E6467EF074}" dt="2024-09-25T20:48:12.839" v="456" actId="1076"/>
-          <ac:cxnSpMkLst>
-            <pc:docMk/>
-            <pc:sldMk cId="931567671" sldId="257"/>
-            <ac:cxnSpMk id="28" creationId="{F50F4C1A-6745-C271-9C3D-675B174985CE}"/>
-          </ac:cxnSpMkLst>
-        </pc:cxnChg>
-        <pc:cxnChg chg="add del mod">
-          <ac:chgData name="Gil Keidar" userId="39bab330baa1541e" providerId="LiveId" clId="{1995C4C5-9019-41DC-B401-A8E6467EF074}" dt="2024-09-25T20:48:01.701" v="453" actId="478"/>
-          <ac:cxnSpMkLst>
-            <pc:docMk/>
-            <pc:sldMk cId="931567671" sldId="257"/>
-            <ac:cxnSpMk id="29" creationId="{A38D63D6-2F2E-1B5C-2B18-F5F9F55A6E82}"/>
-          </ac:cxnSpMkLst>
-        </pc:cxnChg>
-        <pc:cxnChg chg="add del mod">
-          <ac:chgData name="Gil Keidar" userId="39bab330baa1541e" providerId="LiveId" clId="{1995C4C5-9019-41DC-B401-A8E6467EF074}" dt="2024-09-25T20:48:01.701" v="453" actId="478"/>
-          <ac:cxnSpMkLst>
-            <pc:docMk/>
-            <pc:sldMk cId="931567671" sldId="257"/>
-            <ac:cxnSpMk id="30" creationId="{9853393C-7B57-5C87-ABED-44FD20B68294}"/>
-          </ac:cxnSpMkLst>
-        </pc:cxnChg>
-        <pc:cxnChg chg="add mod">
-          <ac:chgData name="Gil Keidar" userId="39bab330baa1541e" providerId="LiveId" clId="{1995C4C5-9019-41DC-B401-A8E6467EF074}" dt="2024-09-25T20:48:12.839" v="456" actId="1076"/>
-          <ac:cxnSpMkLst>
-            <pc:docMk/>
-            <pc:sldMk cId="931567671" sldId="257"/>
-            <ac:cxnSpMk id="38" creationId="{C541B132-B7EC-F071-3180-9A76A370AAA6}"/>
-          </ac:cxnSpMkLst>
-        </pc:cxnChg>
-        <pc:cxnChg chg="add mod">
-          <ac:chgData name="Gil Keidar" userId="39bab330baa1541e" providerId="LiveId" clId="{1995C4C5-9019-41DC-B401-A8E6467EF074}" dt="2024-09-25T20:48:12.839" v="456" actId="1076"/>
-          <ac:cxnSpMkLst>
-            <pc:docMk/>
-            <pc:sldMk cId="931567671" sldId="257"/>
-            <ac:cxnSpMk id="42" creationId="{8AC002A5-9C1F-3A94-898A-8BD5501DA559}"/>
-          </ac:cxnSpMkLst>
-        </pc:cxnChg>
-        <pc:cxnChg chg="add del mod">
-          <ac:chgData name="Gil Keidar" userId="39bab330baa1541e" providerId="LiveId" clId="{1995C4C5-9019-41DC-B401-A8E6467EF074}" dt="2024-09-25T20:48:01.701" v="453" actId="478"/>
-          <ac:cxnSpMkLst>
-            <pc:docMk/>
-            <pc:sldMk cId="931567671" sldId="257"/>
-            <ac:cxnSpMk id="45" creationId="{08BD26F2-D8FD-3C0A-4978-2C2C807E046D}"/>
-          </ac:cxnSpMkLst>
-        </pc:cxnChg>
-        <pc:cxnChg chg="add mod">
-          <ac:chgData name="Gil Keidar" userId="39bab330baa1541e" providerId="LiveId" clId="{1995C4C5-9019-41DC-B401-A8E6467EF074}" dt="2024-09-25T20:48:12.839" v="456" actId="1076"/>
-          <ac:cxnSpMkLst>
-            <pc:docMk/>
-            <pc:sldMk cId="931567671" sldId="257"/>
-            <ac:cxnSpMk id="52" creationId="{9095525A-1FF1-D130-D511-09E089EC486E}"/>
-          </ac:cxnSpMkLst>
-        </pc:cxnChg>
-        <pc:cxnChg chg="add mod">
-          <ac:chgData name="Gil Keidar" userId="39bab330baa1541e" providerId="LiveId" clId="{1995C4C5-9019-41DC-B401-A8E6467EF074}" dt="2024-09-25T20:48:12.839" v="456" actId="1076"/>
-          <ac:cxnSpMkLst>
-            <pc:docMk/>
-            <pc:sldMk cId="931567671" sldId="257"/>
-            <ac:cxnSpMk id="56" creationId="{529D0026-E3B2-1CC3-777C-7615AF917269}"/>
-          </ac:cxnSpMkLst>
-        </pc:cxnChg>
-        <pc:cxnChg chg="add mod">
-          <ac:chgData name="Gil Keidar" userId="39bab330baa1541e" providerId="LiveId" clId="{1995C4C5-9019-41DC-B401-A8E6467EF074}" dt="2024-09-25T20:48:12.839" v="456" actId="1076"/>
-          <ac:cxnSpMkLst>
-            <pc:docMk/>
-            <pc:sldMk cId="931567671" sldId="257"/>
-            <ac:cxnSpMk id="59" creationId="{A6E358B9-A333-70A3-E097-C93186C185A9}"/>
-          </ac:cxnSpMkLst>
-        </pc:cxnChg>
-        <pc:cxnChg chg="add mod">
-          <ac:chgData name="Gil Keidar" userId="39bab330baa1541e" providerId="LiveId" clId="{1995C4C5-9019-41DC-B401-A8E6467EF074}" dt="2024-09-25T20:48:12.839" v="456" actId="1076"/>
-          <ac:cxnSpMkLst>
-            <pc:docMk/>
-            <pc:sldMk cId="931567671" sldId="257"/>
-            <ac:cxnSpMk id="62" creationId="{C69B19F6-400B-FC69-B87E-6480AD27C3A8}"/>
-          </ac:cxnSpMkLst>
-        </pc:cxnChg>
-        <pc:cxnChg chg="add mod">
-          <ac:chgData name="Gil Keidar" userId="39bab330baa1541e" providerId="LiveId" clId="{1995C4C5-9019-41DC-B401-A8E6467EF074}" dt="2024-09-25T20:48:12.839" v="456" actId="1076"/>
-          <ac:cxnSpMkLst>
-            <pc:docMk/>
-            <pc:sldMk cId="931567671" sldId="257"/>
-            <ac:cxnSpMk id="65" creationId="{B2242D0E-9EAE-44BE-A6E3-9F71A1D3FC5A}"/>
-          </ac:cxnSpMkLst>
-        </pc:cxnChg>
       </pc:sldChg>
     </pc:docChg>
   </pc:docChgLst>
@@ -667,7 +569,7 @@
           <a:p>
             <a:fld id="{4FB493C0-0597-47B8-B420-B5C31E2714AD}" type="datetimeFigureOut">
               <a:rPr lang="en-US" smtClean="0"/>
-              <a:t>9/25/2024</a:t>
+              <a:t>5/14/2025</a:t>
             </a:fld>
             <a:endParaRPr lang="en-US"/>
           </a:p>
@@ -865,7 +767,7 @@
           <a:p>
             <a:fld id="{4FB493C0-0597-47B8-B420-B5C31E2714AD}" type="datetimeFigureOut">
               <a:rPr lang="en-US" smtClean="0"/>
-              <a:t>9/25/2024</a:t>
+              <a:t>5/14/2025</a:t>
             </a:fld>
             <a:endParaRPr lang="en-US"/>
           </a:p>
@@ -1073,7 +975,7 @@
           <a:p>
             <a:fld id="{4FB493C0-0597-47B8-B420-B5C31E2714AD}" type="datetimeFigureOut">
               <a:rPr lang="en-US" smtClean="0"/>
-              <a:t>9/25/2024</a:t>
+              <a:t>5/14/2025</a:t>
             </a:fld>
             <a:endParaRPr lang="en-US"/>
           </a:p>
@@ -1271,7 +1173,7 @@
           <a:p>
             <a:fld id="{4FB493C0-0597-47B8-B420-B5C31E2714AD}" type="datetimeFigureOut">
               <a:rPr lang="en-US" smtClean="0"/>
-              <a:t>9/25/2024</a:t>
+              <a:t>5/14/2025</a:t>
             </a:fld>
             <a:endParaRPr lang="en-US"/>
           </a:p>
@@ -1546,7 +1448,7 @@
           <a:p>
             <a:fld id="{4FB493C0-0597-47B8-B420-B5C31E2714AD}" type="datetimeFigureOut">
               <a:rPr lang="en-US" smtClean="0"/>
-              <a:t>9/25/2024</a:t>
+              <a:t>5/14/2025</a:t>
             </a:fld>
             <a:endParaRPr lang="en-US"/>
           </a:p>
@@ -1811,7 +1713,7 @@
           <a:p>
             <a:fld id="{4FB493C0-0597-47B8-B420-B5C31E2714AD}" type="datetimeFigureOut">
               <a:rPr lang="en-US" smtClean="0"/>
-              <a:t>9/25/2024</a:t>
+              <a:t>5/14/2025</a:t>
             </a:fld>
             <a:endParaRPr lang="en-US"/>
           </a:p>
@@ -2223,7 +2125,7 @@
           <a:p>
             <a:fld id="{4FB493C0-0597-47B8-B420-B5C31E2714AD}" type="datetimeFigureOut">
               <a:rPr lang="en-US" smtClean="0"/>
-              <a:t>9/25/2024</a:t>
+              <a:t>5/14/2025</a:t>
             </a:fld>
             <a:endParaRPr lang="en-US"/>
           </a:p>
@@ -2364,7 +2266,7 @@
           <a:p>
             <a:fld id="{4FB493C0-0597-47B8-B420-B5C31E2714AD}" type="datetimeFigureOut">
               <a:rPr lang="en-US" smtClean="0"/>
-              <a:t>9/25/2024</a:t>
+              <a:t>5/14/2025</a:t>
             </a:fld>
             <a:endParaRPr lang="en-US"/>
           </a:p>
@@ -2477,7 +2379,7 @@
           <a:p>
             <a:fld id="{4FB493C0-0597-47B8-B420-B5C31E2714AD}" type="datetimeFigureOut">
               <a:rPr lang="en-US" smtClean="0"/>
-              <a:t>9/25/2024</a:t>
+              <a:t>5/14/2025</a:t>
             </a:fld>
             <a:endParaRPr lang="en-US"/>
           </a:p>
@@ -2788,7 +2690,7 @@
           <a:p>
             <a:fld id="{4FB493C0-0597-47B8-B420-B5C31E2714AD}" type="datetimeFigureOut">
               <a:rPr lang="en-US" smtClean="0"/>
-              <a:t>9/25/2024</a:t>
+              <a:t>5/14/2025</a:t>
             </a:fld>
             <a:endParaRPr lang="en-US"/>
           </a:p>
@@ -3076,7 +2978,7 @@
           <a:p>
             <a:fld id="{4FB493C0-0597-47B8-B420-B5C31E2714AD}" type="datetimeFigureOut">
               <a:rPr lang="en-US" smtClean="0"/>
-              <a:t>9/25/2024</a:t>
+              <a:t>5/14/2025</a:t>
             </a:fld>
             <a:endParaRPr lang="en-US"/>
           </a:p>
@@ -3317,7 +3219,7 @@
           <a:p>
             <a:fld id="{4FB493C0-0597-47B8-B420-B5C31E2714AD}" type="datetimeFigureOut">
               <a:rPr lang="en-US" smtClean="0"/>
-              <a:t>9/25/2024</a:t>
+              <a:t>5/14/2025</a:t>
             </a:fld>
             <a:endParaRPr lang="en-US"/>
           </a:p>
@@ -5459,6 +5361,1670 @@
 </p:sld>
 </file>
 
+<file path=ppt/slides/slide3.xml><?xml version="1.0" encoding="utf-8"?>
+<p:sld xmlns:a="http://schemas.openxmlformats.org/drawingml/2006/main" xmlns:r="http://schemas.openxmlformats.org/officeDocument/2006/relationships" xmlns:p="http://schemas.openxmlformats.org/presentationml/2006/main">
+  <p:cSld>
+    <p:spTree>
+      <p:nvGrpSpPr>
+        <p:cNvPr id="1" name="">
+          <a:extLst>
+            <a:ext uri="{FF2B5EF4-FFF2-40B4-BE49-F238E27FC236}">
+              <a16:creationId xmlns:a16="http://schemas.microsoft.com/office/drawing/2014/main" id="{E39C8537-06DD-189A-8E4D-BC1229C89B8B}"/>
+            </a:ext>
+          </a:extLst>
+        </p:cNvPr>
+        <p:cNvGrpSpPr/>
+        <p:nvPr/>
+      </p:nvGrpSpPr>
+      <p:grpSpPr>
+        <a:xfrm>
+          <a:off x="0" y="0"/>
+          <a:ext cx="0" cy="0"/>
+          <a:chOff x="0" y="0"/>
+          <a:chExt cx="0" cy="0"/>
+        </a:xfrm>
+      </p:grpSpPr>
+      <p:sp>
+        <p:nvSpPr>
+          <p:cNvPr id="2" name="Rectangle 1">
+            <a:extLst>
+              <a:ext uri="{FF2B5EF4-FFF2-40B4-BE49-F238E27FC236}">
+                <a16:creationId xmlns:a16="http://schemas.microsoft.com/office/drawing/2014/main" id="{83CA5470-48B8-D918-2DC2-734807145D87}"/>
+              </a:ext>
+            </a:extLst>
+          </p:cNvPr>
+          <p:cNvSpPr/>
+          <p:nvPr/>
+        </p:nvSpPr>
+        <p:spPr>
+          <a:xfrm>
+            <a:off x="2343150" y="869950"/>
+            <a:ext cx="5975347" cy="3841750"/>
+          </a:xfrm>
+          <a:prstGeom prst="rect">
+            <a:avLst/>
+          </a:prstGeom>
+        </p:spPr>
+        <p:style>
+          <a:lnRef idx="2">
+            <a:schemeClr val="accent3"/>
+          </a:lnRef>
+          <a:fillRef idx="1">
+            <a:schemeClr val="lt1"/>
+          </a:fillRef>
+          <a:effectRef idx="0">
+            <a:schemeClr val="accent3"/>
+          </a:effectRef>
+          <a:fontRef idx="minor">
+            <a:schemeClr val="dk1"/>
+          </a:fontRef>
+        </p:style>
+        <p:txBody>
+          <a:bodyPr rtlCol="0" anchor="ctr"/>
+          <a:lstStyle/>
+          <a:p>
+            <a:pPr algn="ctr"/>
+            <a:endParaRPr lang="en-US"/>
+          </a:p>
+        </p:txBody>
+      </p:sp>
+      <p:sp>
+        <p:nvSpPr>
+          <p:cNvPr id="4" name="Rectangle 3">
+            <a:extLst>
+              <a:ext uri="{FF2B5EF4-FFF2-40B4-BE49-F238E27FC236}">
+                <a16:creationId xmlns:a16="http://schemas.microsoft.com/office/drawing/2014/main" id="{15514A50-0DD3-DBB4-1BBB-354D710D4460}"/>
+              </a:ext>
+            </a:extLst>
+          </p:cNvPr>
+          <p:cNvSpPr/>
+          <p:nvPr/>
+        </p:nvSpPr>
+        <p:spPr>
+          <a:xfrm>
+            <a:off x="5159161" y="1146261"/>
+            <a:ext cx="1303542" cy="560615"/>
+          </a:xfrm>
+          <a:prstGeom prst="rect">
+            <a:avLst/>
+          </a:prstGeom>
+        </p:spPr>
+        <p:style>
+          <a:lnRef idx="2">
+            <a:schemeClr val="dk1"/>
+          </a:lnRef>
+          <a:fillRef idx="1">
+            <a:schemeClr val="lt1"/>
+          </a:fillRef>
+          <a:effectRef idx="0">
+            <a:schemeClr val="dk1"/>
+          </a:effectRef>
+          <a:fontRef idx="minor">
+            <a:schemeClr val="dk1"/>
+          </a:fontRef>
+        </p:style>
+        <p:txBody>
+          <a:bodyPr rtlCol="0" anchor="ctr"/>
+          <a:lstStyle/>
+          <a:p>
+            <a:pPr algn="ctr"/>
+            <a:r>
+              <a:rPr lang="en-US" sz="1200" dirty="0"/>
+              <a:t>Command-Line Argument Parser (CLAP)</a:t>
+            </a:r>
+          </a:p>
+        </p:txBody>
+      </p:sp>
+      <p:sp>
+        <p:nvSpPr>
+          <p:cNvPr id="5" name="TextBox 4">
+            <a:extLst>
+              <a:ext uri="{FF2B5EF4-FFF2-40B4-BE49-F238E27FC236}">
+                <a16:creationId xmlns:a16="http://schemas.microsoft.com/office/drawing/2014/main" id="{5F8D5A69-67A6-DC8B-5443-69D21965D691}"/>
+              </a:ext>
+            </a:extLst>
+          </p:cNvPr>
+          <p:cNvSpPr txBox="1"/>
+          <p:nvPr/>
+        </p:nvSpPr>
+        <p:spPr>
+          <a:xfrm>
+            <a:off x="4882924" y="262159"/>
+            <a:ext cx="1856015" cy="276999"/>
+          </a:xfrm>
+          <a:prstGeom prst="rect">
+            <a:avLst/>
+          </a:prstGeom>
+          <a:noFill/>
+        </p:spPr>
+        <p:txBody>
+          <a:bodyPr wrap="square" rtlCol="0">
+            <a:spAutoFit/>
+          </a:bodyPr>
+          <a:lstStyle/>
+          <a:p>
+            <a:r>
+              <a:rPr lang="en-US" sz="1200" dirty="0"/>
+              <a:t>Command-line Arguments</a:t>
+            </a:r>
+          </a:p>
+        </p:txBody>
+      </p:sp>
+      <p:sp>
+        <p:nvSpPr>
+          <p:cNvPr id="16" name="TextBox 15">
+            <a:extLst>
+              <a:ext uri="{FF2B5EF4-FFF2-40B4-BE49-F238E27FC236}">
+                <a16:creationId xmlns:a16="http://schemas.microsoft.com/office/drawing/2014/main" id="{438A799E-6D91-7ED6-D879-90444768CBE4}"/>
+              </a:ext>
+            </a:extLst>
+          </p:cNvPr>
+          <p:cNvSpPr txBox="1"/>
+          <p:nvPr/>
+        </p:nvSpPr>
+        <p:spPr>
+          <a:xfrm>
+            <a:off x="4764542" y="539158"/>
+            <a:ext cx="2092780" cy="276999"/>
+          </a:xfrm>
+          <a:prstGeom prst="rect">
+            <a:avLst/>
+          </a:prstGeom>
+          <a:noFill/>
+        </p:spPr>
+        <p:txBody>
+          <a:bodyPr wrap="square">
+            <a:spAutoFit/>
+          </a:bodyPr>
+          <a:lstStyle/>
+          <a:p>
+            <a:r>
+              <a:rPr lang="en-US" sz="1200" b="0" dirty="0">
+                <a:solidFill>
+                  <a:srgbClr val="569CD6"/>
+                </a:solidFill>
+                <a:effectLst/>
+                <a:latin typeface="Consolas" panose="020B0609020204030204" pitchFamily="49" charset="0"/>
+              </a:rPr>
+              <a:t>int</a:t>
+            </a:r>
+            <a:r>
+              <a:rPr lang="en-US" sz="1200" b="0" dirty="0">
+                <a:solidFill>
+                  <a:srgbClr val="D4D4D4"/>
+                </a:solidFill>
+                <a:effectLst/>
+                <a:latin typeface="Consolas" panose="020B0609020204030204" pitchFamily="49" charset="0"/>
+              </a:rPr>
+              <a:t> </a:t>
+            </a:r>
+            <a:r>
+              <a:rPr lang="en-US" sz="1200" b="0" dirty="0">
+                <a:effectLst/>
+                <a:latin typeface="Consolas" panose="020B0609020204030204" pitchFamily="49" charset="0"/>
+              </a:rPr>
+              <a:t>argc,</a:t>
+            </a:r>
+            <a:r>
+              <a:rPr lang="en-US" sz="1200" b="0" dirty="0">
+                <a:solidFill>
+                  <a:srgbClr val="D4D4D4"/>
+                </a:solidFill>
+                <a:effectLst/>
+                <a:latin typeface="Consolas" panose="020B0609020204030204" pitchFamily="49" charset="0"/>
+              </a:rPr>
+              <a:t> </a:t>
+            </a:r>
+            <a:r>
+              <a:rPr lang="en-US" sz="1200" b="0" dirty="0">
+                <a:solidFill>
+                  <a:srgbClr val="569CD6"/>
+                </a:solidFill>
+                <a:effectLst/>
+                <a:latin typeface="Consolas" panose="020B0609020204030204" pitchFamily="49" charset="0"/>
+              </a:rPr>
+              <a:t>char</a:t>
+            </a:r>
+            <a:r>
+              <a:rPr lang="en-US" sz="1200" b="0" dirty="0">
+                <a:solidFill>
+                  <a:srgbClr val="D4D4D4"/>
+                </a:solidFill>
+                <a:effectLst/>
+                <a:latin typeface="Consolas" panose="020B0609020204030204" pitchFamily="49" charset="0"/>
+              </a:rPr>
+              <a:t> </a:t>
+            </a:r>
+            <a:r>
+              <a:rPr lang="en-US" sz="1200" b="0" dirty="0">
+                <a:effectLst/>
+                <a:latin typeface="Consolas" panose="020B0609020204030204" pitchFamily="49" charset="0"/>
+              </a:rPr>
+              <a:t>** argv</a:t>
+            </a:r>
+          </a:p>
+        </p:txBody>
+      </p:sp>
+      <p:cxnSp>
+        <p:nvCxnSpPr>
+          <p:cNvPr id="18" name="Straight Arrow Connector 17">
+            <a:extLst>
+              <a:ext uri="{FF2B5EF4-FFF2-40B4-BE49-F238E27FC236}">
+                <a16:creationId xmlns:a16="http://schemas.microsoft.com/office/drawing/2014/main" id="{F85F40B2-99B3-99ED-99FA-5552EDD323CB}"/>
+              </a:ext>
+            </a:extLst>
+          </p:cNvPr>
+          <p:cNvCxnSpPr>
+            <a:cxnSpLocks/>
+            <a:stCxn id="16" idx="2"/>
+            <a:endCxn id="4" idx="0"/>
+          </p:cNvCxnSpPr>
+          <p:nvPr/>
+        </p:nvCxnSpPr>
+        <p:spPr>
+          <a:xfrm>
+            <a:off x="5810932" y="816157"/>
+            <a:ext cx="0" cy="330104"/>
+          </a:xfrm>
+          <a:prstGeom prst="straightConnector1">
+            <a:avLst/>
+          </a:prstGeom>
+          <a:ln>
+            <a:tailEnd type="triangle"/>
+          </a:ln>
+          <a:effectLst/>
+        </p:spPr>
+        <p:style>
+          <a:lnRef idx="2">
+            <a:schemeClr val="accent1"/>
+          </a:lnRef>
+          <a:fillRef idx="0">
+            <a:schemeClr val="accent1"/>
+          </a:fillRef>
+          <a:effectRef idx="1">
+            <a:schemeClr val="accent1"/>
+          </a:effectRef>
+          <a:fontRef idx="minor">
+            <a:schemeClr val="tx1"/>
+          </a:fontRef>
+        </p:style>
+      </p:cxnSp>
+      <p:cxnSp>
+        <p:nvCxnSpPr>
+          <p:cNvPr id="19" name="Straight Arrow Connector 18">
+            <a:extLst>
+              <a:ext uri="{FF2B5EF4-FFF2-40B4-BE49-F238E27FC236}">
+                <a16:creationId xmlns:a16="http://schemas.microsoft.com/office/drawing/2014/main" id="{6D57B202-94B7-5B41-B831-B07785F22AED}"/>
+              </a:ext>
+            </a:extLst>
+          </p:cNvPr>
+          <p:cNvCxnSpPr>
+            <a:cxnSpLocks/>
+            <a:stCxn id="51" idx="2"/>
+            <a:endCxn id="22" idx="0"/>
+          </p:cNvCxnSpPr>
+          <p:nvPr/>
+        </p:nvCxnSpPr>
+        <p:spPr>
+          <a:xfrm flipH="1">
+            <a:off x="5810931" y="4596334"/>
+            <a:ext cx="1" cy="261790"/>
+          </a:xfrm>
+          <a:prstGeom prst="straightConnector1">
+            <a:avLst/>
+          </a:prstGeom>
+          <a:ln>
+            <a:tailEnd type="triangle"/>
+          </a:ln>
+          <a:effectLst/>
+        </p:spPr>
+        <p:style>
+          <a:lnRef idx="2">
+            <a:schemeClr val="accent1"/>
+          </a:lnRef>
+          <a:fillRef idx="0">
+            <a:schemeClr val="accent1"/>
+          </a:fillRef>
+          <a:effectRef idx="1">
+            <a:schemeClr val="accent1"/>
+          </a:effectRef>
+          <a:fontRef idx="minor">
+            <a:schemeClr val="tx1"/>
+          </a:fontRef>
+        </p:style>
+      </p:cxnSp>
+      <p:sp>
+        <p:nvSpPr>
+          <p:cNvPr id="22" name="TextBox 21">
+            <a:extLst>
+              <a:ext uri="{FF2B5EF4-FFF2-40B4-BE49-F238E27FC236}">
+                <a16:creationId xmlns:a16="http://schemas.microsoft.com/office/drawing/2014/main" id="{507E6B4F-DB05-7A96-4563-5F1C6889E90F}"/>
+              </a:ext>
+            </a:extLst>
+          </p:cNvPr>
+          <p:cNvSpPr txBox="1"/>
+          <p:nvPr/>
+        </p:nvSpPr>
+        <p:spPr>
+          <a:xfrm>
+            <a:off x="5271408" y="4858124"/>
+            <a:ext cx="1079046" cy="276999"/>
+          </a:xfrm>
+          <a:prstGeom prst="rect">
+            <a:avLst/>
+          </a:prstGeom>
+          <a:noFill/>
+        </p:spPr>
+        <p:txBody>
+          <a:bodyPr wrap="square">
+            <a:spAutoFit/>
+          </a:bodyPr>
+          <a:lstStyle/>
+          <a:p>
+            <a:r>
+              <a:rPr lang="en-US" sz="1200" b="0" dirty="0">
+                <a:effectLst/>
+                <a:latin typeface="Consolas" panose="020B0609020204030204" pitchFamily="49" charset="0"/>
+              </a:rPr>
+              <a:t>.mlg</a:t>
+            </a:r>
+            <a:r>
+              <a:rPr lang="en-US" sz="1200" dirty="0">
+                <a:latin typeface="Consolas" panose="020B0609020204030204" pitchFamily="49" charset="0"/>
+              </a:rPr>
+              <a:t>, .bin</a:t>
+            </a:r>
+            <a:endParaRPr lang="en-US" sz="1200" b="0" dirty="0">
+              <a:effectLst/>
+              <a:latin typeface="Consolas" panose="020B0609020204030204" pitchFamily="49" charset="0"/>
+            </a:endParaRPr>
+          </a:p>
+        </p:txBody>
+      </p:sp>
+      <p:sp>
+        <p:nvSpPr>
+          <p:cNvPr id="26" name="TextBox 25">
+            <a:extLst>
+              <a:ext uri="{FF2B5EF4-FFF2-40B4-BE49-F238E27FC236}">
+                <a16:creationId xmlns:a16="http://schemas.microsoft.com/office/drawing/2014/main" id="{BEA88E26-8A68-4652-DD41-13CAB8F46F5C}"/>
+              </a:ext>
+            </a:extLst>
+          </p:cNvPr>
+          <p:cNvSpPr txBox="1"/>
+          <p:nvPr/>
+        </p:nvSpPr>
+        <p:spPr>
+          <a:xfrm>
+            <a:off x="5004027" y="5050064"/>
+            <a:ext cx="1613807" cy="276999"/>
+          </a:xfrm>
+          <a:prstGeom prst="rect">
+            <a:avLst/>
+          </a:prstGeom>
+          <a:noFill/>
+        </p:spPr>
+        <p:txBody>
+          <a:bodyPr wrap="square" rtlCol="0">
+            <a:spAutoFit/>
+          </a:bodyPr>
+          <a:lstStyle/>
+          <a:p>
+            <a:r>
+              <a:rPr lang="en-US" sz="1200" dirty="0"/>
+              <a:t>Assembled output file</a:t>
+            </a:r>
+          </a:p>
+        </p:txBody>
+      </p:sp>
+      <p:cxnSp>
+        <p:nvCxnSpPr>
+          <p:cNvPr id="12" name="Straight Arrow Connector 11">
+            <a:extLst>
+              <a:ext uri="{FF2B5EF4-FFF2-40B4-BE49-F238E27FC236}">
+                <a16:creationId xmlns:a16="http://schemas.microsoft.com/office/drawing/2014/main" id="{3A6F6236-9567-8DEF-8162-57F3F292F688}"/>
+              </a:ext>
+            </a:extLst>
+          </p:cNvPr>
+          <p:cNvCxnSpPr>
+            <a:cxnSpLocks/>
+            <a:stCxn id="4" idx="2"/>
+            <a:endCxn id="17" idx="0"/>
+          </p:cNvCxnSpPr>
+          <p:nvPr/>
+        </p:nvCxnSpPr>
+        <p:spPr>
+          <a:xfrm>
+            <a:off x="5810932" y="1706876"/>
+            <a:ext cx="0" cy="537157"/>
+          </a:xfrm>
+          <a:prstGeom prst="straightConnector1">
+            <a:avLst/>
+          </a:prstGeom>
+          <a:ln>
+            <a:tailEnd type="triangle"/>
+          </a:ln>
+          <a:effectLst/>
+        </p:spPr>
+        <p:style>
+          <a:lnRef idx="2">
+            <a:schemeClr val="accent1"/>
+          </a:lnRef>
+          <a:fillRef idx="0">
+            <a:schemeClr val="accent1"/>
+          </a:fillRef>
+          <a:effectRef idx="1">
+            <a:schemeClr val="accent1"/>
+          </a:effectRef>
+          <a:fontRef idx="minor">
+            <a:schemeClr val="tx1"/>
+          </a:fontRef>
+        </p:style>
+      </p:cxnSp>
+      <p:sp>
+        <p:nvSpPr>
+          <p:cNvPr id="17" name="Rectangle 16">
+            <a:extLst>
+              <a:ext uri="{FF2B5EF4-FFF2-40B4-BE49-F238E27FC236}">
+                <a16:creationId xmlns:a16="http://schemas.microsoft.com/office/drawing/2014/main" id="{72C9EE83-9840-AAD0-DDBA-9F66B4A715FF}"/>
+              </a:ext>
+            </a:extLst>
+          </p:cNvPr>
+          <p:cNvSpPr/>
+          <p:nvPr/>
+        </p:nvSpPr>
+        <p:spPr>
+          <a:xfrm>
+            <a:off x="5159161" y="2244033"/>
+            <a:ext cx="1303542" cy="276999"/>
+          </a:xfrm>
+          <a:prstGeom prst="rect">
+            <a:avLst/>
+          </a:prstGeom>
+        </p:spPr>
+        <p:style>
+          <a:lnRef idx="2">
+            <a:schemeClr val="dk1"/>
+          </a:lnRef>
+          <a:fillRef idx="1">
+            <a:schemeClr val="lt1"/>
+          </a:fillRef>
+          <a:effectRef idx="0">
+            <a:schemeClr val="dk1"/>
+          </a:effectRef>
+          <a:fontRef idx="minor">
+            <a:schemeClr val="dk1"/>
+          </a:fontRef>
+        </p:style>
+        <p:txBody>
+          <a:bodyPr rtlCol="0" anchor="ctr"/>
+          <a:lstStyle/>
+          <a:p>
+            <a:pPr algn="ctr"/>
+            <a:r>
+              <a:rPr lang="en-US" sz="1200" dirty="0"/>
+              <a:t>Parser</a:t>
+            </a:r>
+          </a:p>
+        </p:txBody>
+      </p:sp>
+      <p:cxnSp>
+        <p:nvCxnSpPr>
+          <p:cNvPr id="20" name="Straight Arrow Connector 19">
+            <a:extLst>
+              <a:ext uri="{FF2B5EF4-FFF2-40B4-BE49-F238E27FC236}">
+                <a16:creationId xmlns:a16="http://schemas.microsoft.com/office/drawing/2014/main" id="{949028CE-DE4A-ED5F-A605-75F774CA7B32}"/>
+              </a:ext>
+            </a:extLst>
+          </p:cNvPr>
+          <p:cNvCxnSpPr>
+            <a:cxnSpLocks/>
+            <a:stCxn id="17" idx="2"/>
+            <a:endCxn id="27" idx="0"/>
+          </p:cNvCxnSpPr>
+          <p:nvPr/>
+        </p:nvCxnSpPr>
+        <p:spPr>
+          <a:xfrm flipH="1">
+            <a:off x="5810931" y="2521032"/>
+            <a:ext cx="1" cy="194550"/>
+          </a:xfrm>
+          <a:prstGeom prst="straightConnector1">
+            <a:avLst/>
+          </a:prstGeom>
+          <a:ln>
+            <a:tailEnd type="triangle"/>
+          </a:ln>
+          <a:effectLst/>
+        </p:spPr>
+        <p:style>
+          <a:lnRef idx="2">
+            <a:schemeClr val="accent1"/>
+          </a:lnRef>
+          <a:fillRef idx="0">
+            <a:schemeClr val="accent1"/>
+          </a:fillRef>
+          <a:effectRef idx="1">
+            <a:schemeClr val="accent1"/>
+          </a:effectRef>
+          <a:fontRef idx="minor">
+            <a:schemeClr val="tx1"/>
+          </a:fontRef>
+        </p:style>
+      </p:cxnSp>
+      <p:sp>
+        <p:nvSpPr>
+          <p:cNvPr id="27" name="TextBox 26">
+            <a:extLst>
+              <a:ext uri="{FF2B5EF4-FFF2-40B4-BE49-F238E27FC236}">
+                <a16:creationId xmlns:a16="http://schemas.microsoft.com/office/drawing/2014/main" id="{95905EC2-4CF4-606B-3756-7591DA52ACFE}"/>
+              </a:ext>
+            </a:extLst>
+          </p:cNvPr>
+          <p:cNvSpPr txBox="1"/>
+          <p:nvPr/>
+        </p:nvSpPr>
+        <p:spPr>
+          <a:xfrm>
+            <a:off x="4648881" y="2715582"/>
+            <a:ext cx="2324100" cy="276999"/>
+          </a:xfrm>
+          <a:prstGeom prst="rect">
+            <a:avLst/>
+          </a:prstGeom>
+          <a:noFill/>
+        </p:spPr>
+        <p:txBody>
+          <a:bodyPr wrap="square" rtlCol="0">
+            <a:spAutoFit/>
+          </a:bodyPr>
+          <a:lstStyle/>
+          <a:p>
+            <a:r>
+              <a:rPr lang="en-US" sz="1200" b="0" dirty="0">
+                <a:effectLst/>
+                <a:latin typeface="Consolas" panose="020B0609020204030204" pitchFamily="49" charset="0"/>
+              </a:rPr>
+              <a:t>std::</a:t>
+            </a:r>
+            <a:r>
+              <a:rPr lang="en-US" sz="1200" b="0" dirty="0">
+                <a:solidFill>
+                  <a:srgbClr val="4EC9B0"/>
+                </a:solidFill>
+                <a:effectLst/>
+                <a:latin typeface="Consolas" panose="020B0609020204030204" pitchFamily="49" charset="0"/>
+              </a:rPr>
+              <a:t>vector</a:t>
+            </a:r>
+            <a:r>
+              <a:rPr lang="en-US" sz="1200" b="0" dirty="0">
+                <a:effectLst/>
+                <a:latin typeface="Consolas" panose="020B0609020204030204" pitchFamily="49" charset="0"/>
+              </a:rPr>
+              <a:t>&lt;</a:t>
+            </a:r>
+            <a:r>
+              <a:rPr lang="en-US" sz="1200" b="0" dirty="0">
+                <a:solidFill>
+                  <a:srgbClr val="4EC9B0"/>
+                </a:solidFill>
+                <a:effectLst/>
+                <a:latin typeface="Consolas" panose="020B0609020204030204" pitchFamily="49" charset="0"/>
+              </a:rPr>
+              <a:t>Line</a:t>
+            </a:r>
+            <a:r>
+              <a:rPr lang="en-US" sz="1200" b="0" dirty="0">
+                <a:solidFill>
+                  <a:srgbClr val="D4D4D4"/>
+                </a:solidFill>
+                <a:effectLst/>
+                <a:latin typeface="Consolas" panose="020B0609020204030204" pitchFamily="49" charset="0"/>
+              </a:rPr>
+              <a:t> </a:t>
+            </a:r>
+            <a:r>
+              <a:rPr lang="en-US" sz="1200" dirty="0">
+                <a:effectLst/>
+                <a:latin typeface="Consolas" panose="020B0609020204030204" pitchFamily="49" charset="0"/>
+              </a:rPr>
+              <a:t>*&gt; lines</a:t>
+            </a:r>
+          </a:p>
+        </p:txBody>
+      </p:sp>
+      <p:cxnSp>
+        <p:nvCxnSpPr>
+          <p:cNvPr id="28" name="Straight Arrow Connector 27">
+            <a:extLst>
+              <a:ext uri="{FF2B5EF4-FFF2-40B4-BE49-F238E27FC236}">
+                <a16:creationId xmlns:a16="http://schemas.microsoft.com/office/drawing/2014/main" id="{07AE1977-4A74-5408-BD18-792AEB18BD41}"/>
+              </a:ext>
+            </a:extLst>
+          </p:cNvPr>
+          <p:cNvCxnSpPr>
+            <a:cxnSpLocks/>
+            <a:stCxn id="27" idx="2"/>
+            <a:endCxn id="34" idx="0"/>
+          </p:cNvCxnSpPr>
+          <p:nvPr/>
+        </p:nvCxnSpPr>
+        <p:spPr>
+          <a:xfrm>
+            <a:off x="5810931" y="2992581"/>
+            <a:ext cx="1" cy="203371"/>
+          </a:xfrm>
+          <a:prstGeom prst="straightConnector1">
+            <a:avLst/>
+          </a:prstGeom>
+          <a:ln>
+            <a:tailEnd type="triangle"/>
+          </a:ln>
+          <a:effectLst/>
+        </p:spPr>
+        <p:style>
+          <a:lnRef idx="2">
+            <a:schemeClr val="accent1"/>
+          </a:lnRef>
+          <a:fillRef idx="0">
+            <a:schemeClr val="accent1"/>
+          </a:fillRef>
+          <a:effectRef idx="1">
+            <a:schemeClr val="accent1"/>
+          </a:effectRef>
+          <a:fontRef idx="minor">
+            <a:schemeClr val="tx1"/>
+          </a:fontRef>
+        </p:style>
+      </p:cxnSp>
+      <p:sp>
+        <p:nvSpPr>
+          <p:cNvPr id="34" name="Rectangle 33">
+            <a:extLst>
+              <a:ext uri="{FF2B5EF4-FFF2-40B4-BE49-F238E27FC236}">
+                <a16:creationId xmlns:a16="http://schemas.microsoft.com/office/drawing/2014/main" id="{0FB702DB-A933-3DA4-59AC-680BD9CE1CC4}"/>
+              </a:ext>
+            </a:extLst>
+          </p:cNvPr>
+          <p:cNvSpPr/>
+          <p:nvPr/>
+        </p:nvSpPr>
+        <p:spPr>
+          <a:xfrm>
+            <a:off x="5159161" y="3195952"/>
+            <a:ext cx="1303542" cy="276999"/>
+          </a:xfrm>
+          <a:prstGeom prst="rect">
+            <a:avLst/>
+          </a:prstGeom>
+        </p:spPr>
+        <p:style>
+          <a:lnRef idx="2">
+            <a:schemeClr val="dk1"/>
+          </a:lnRef>
+          <a:fillRef idx="1">
+            <a:schemeClr val="lt1"/>
+          </a:fillRef>
+          <a:effectRef idx="0">
+            <a:schemeClr val="dk1"/>
+          </a:effectRef>
+          <a:fontRef idx="minor">
+            <a:schemeClr val="dk1"/>
+          </a:fontRef>
+        </p:style>
+        <p:txBody>
+          <a:bodyPr rtlCol="0" anchor="ctr"/>
+          <a:lstStyle/>
+          <a:p>
+            <a:pPr algn="ctr"/>
+            <a:r>
+              <a:rPr lang="en-US" sz="1200" dirty="0"/>
+              <a:t>Preprocessor</a:t>
+            </a:r>
+          </a:p>
+        </p:txBody>
+      </p:sp>
+      <p:cxnSp>
+        <p:nvCxnSpPr>
+          <p:cNvPr id="38" name="Straight Arrow Connector 37">
+            <a:extLst>
+              <a:ext uri="{FF2B5EF4-FFF2-40B4-BE49-F238E27FC236}">
+                <a16:creationId xmlns:a16="http://schemas.microsoft.com/office/drawing/2014/main" id="{1FFA48D1-0B21-2B42-14D1-B7ACEB72D63F}"/>
+              </a:ext>
+            </a:extLst>
+          </p:cNvPr>
+          <p:cNvCxnSpPr>
+            <a:cxnSpLocks/>
+            <a:stCxn id="34" idx="2"/>
+            <a:endCxn id="47" idx="0"/>
+          </p:cNvCxnSpPr>
+          <p:nvPr/>
+        </p:nvCxnSpPr>
+        <p:spPr>
+          <a:xfrm>
+            <a:off x="5810932" y="3472951"/>
+            <a:ext cx="0" cy="196754"/>
+          </a:xfrm>
+          <a:prstGeom prst="straightConnector1">
+            <a:avLst/>
+          </a:prstGeom>
+          <a:ln>
+            <a:tailEnd type="triangle"/>
+          </a:ln>
+          <a:effectLst/>
+        </p:spPr>
+        <p:style>
+          <a:lnRef idx="2">
+            <a:schemeClr val="accent1"/>
+          </a:lnRef>
+          <a:fillRef idx="0">
+            <a:schemeClr val="accent1"/>
+          </a:fillRef>
+          <a:effectRef idx="1">
+            <a:schemeClr val="accent1"/>
+          </a:effectRef>
+          <a:fontRef idx="minor">
+            <a:schemeClr val="tx1"/>
+          </a:fontRef>
+        </p:style>
+      </p:cxnSp>
+      <p:sp>
+        <p:nvSpPr>
+          <p:cNvPr id="47" name="Rectangle 46">
+            <a:extLst>
+              <a:ext uri="{FF2B5EF4-FFF2-40B4-BE49-F238E27FC236}">
+                <a16:creationId xmlns:a16="http://schemas.microsoft.com/office/drawing/2014/main" id="{8E723DB2-E18E-05C6-A8DC-0342B4910607}"/>
+              </a:ext>
+            </a:extLst>
+          </p:cNvPr>
+          <p:cNvSpPr/>
+          <p:nvPr/>
+        </p:nvSpPr>
+        <p:spPr>
+          <a:xfrm>
+            <a:off x="5159161" y="3669705"/>
+            <a:ext cx="1303542" cy="276999"/>
+          </a:xfrm>
+          <a:prstGeom prst="rect">
+            <a:avLst/>
+          </a:prstGeom>
+        </p:spPr>
+        <p:style>
+          <a:lnRef idx="2">
+            <a:schemeClr val="dk1"/>
+          </a:lnRef>
+          <a:fillRef idx="1">
+            <a:schemeClr val="lt1"/>
+          </a:fillRef>
+          <a:effectRef idx="0">
+            <a:schemeClr val="dk1"/>
+          </a:effectRef>
+          <a:fontRef idx="minor">
+            <a:schemeClr val="dk1"/>
+          </a:fontRef>
+        </p:style>
+        <p:txBody>
+          <a:bodyPr rtlCol="0" anchor="ctr"/>
+          <a:lstStyle/>
+          <a:p>
+            <a:pPr algn="ctr"/>
+            <a:r>
+              <a:rPr lang="en-US" sz="1200" dirty="0"/>
+              <a:t>Label Handler</a:t>
+            </a:r>
+          </a:p>
+        </p:txBody>
+      </p:sp>
+      <p:sp>
+        <p:nvSpPr>
+          <p:cNvPr id="51" name="Rectangle 50">
+            <a:extLst>
+              <a:ext uri="{FF2B5EF4-FFF2-40B4-BE49-F238E27FC236}">
+                <a16:creationId xmlns:a16="http://schemas.microsoft.com/office/drawing/2014/main" id="{44890958-2D47-1845-0F0C-BBEA6E17D7D6}"/>
+              </a:ext>
+            </a:extLst>
+          </p:cNvPr>
+          <p:cNvSpPr/>
+          <p:nvPr/>
+        </p:nvSpPr>
+        <p:spPr>
+          <a:xfrm>
+            <a:off x="5159161" y="4138644"/>
+            <a:ext cx="1303542" cy="457690"/>
+          </a:xfrm>
+          <a:prstGeom prst="rect">
+            <a:avLst/>
+          </a:prstGeom>
+        </p:spPr>
+        <p:style>
+          <a:lnRef idx="2">
+            <a:schemeClr val="dk1"/>
+          </a:lnRef>
+          <a:fillRef idx="1">
+            <a:schemeClr val="lt1"/>
+          </a:fillRef>
+          <a:effectRef idx="0">
+            <a:schemeClr val="dk1"/>
+          </a:effectRef>
+          <a:fontRef idx="minor">
+            <a:schemeClr val="dk1"/>
+          </a:fontRef>
+        </p:style>
+        <p:txBody>
+          <a:bodyPr rtlCol="0" anchor="ctr"/>
+          <a:lstStyle/>
+          <a:p>
+            <a:pPr algn="ctr"/>
+            <a:r>
+              <a:rPr lang="en-US" sz="1200" dirty="0"/>
+              <a:t>Output File Generation</a:t>
+            </a:r>
+          </a:p>
+        </p:txBody>
+      </p:sp>
+      <p:cxnSp>
+        <p:nvCxnSpPr>
+          <p:cNvPr id="52" name="Straight Arrow Connector 51">
+            <a:extLst>
+              <a:ext uri="{FF2B5EF4-FFF2-40B4-BE49-F238E27FC236}">
+                <a16:creationId xmlns:a16="http://schemas.microsoft.com/office/drawing/2014/main" id="{E4370DD7-F723-1E98-C3FF-F4917AFAECAC}"/>
+              </a:ext>
+            </a:extLst>
+          </p:cNvPr>
+          <p:cNvCxnSpPr>
+            <a:cxnSpLocks/>
+            <a:stCxn id="47" idx="2"/>
+            <a:endCxn id="51" idx="0"/>
+          </p:cNvCxnSpPr>
+          <p:nvPr/>
+        </p:nvCxnSpPr>
+        <p:spPr>
+          <a:xfrm>
+            <a:off x="5810932" y="3946704"/>
+            <a:ext cx="0" cy="191940"/>
+          </a:xfrm>
+          <a:prstGeom prst="straightConnector1">
+            <a:avLst/>
+          </a:prstGeom>
+          <a:ln>
+            <a:tailEnd type="triangle"/>
+          </a:ln>
+          <a:effectLst/>
+        </p:spPr>
+        <p:style>
+          <a:lnRef idx="2">
+            <a:schemeClr val="accent1"/>
+          </a:lnRef>
+          <a:fillRef idx="0">
+            <a:schemeClr val="accent1"/>
+          </a:fillRef>
+          <a:effectRef idx="1">
+            <a:schemeClr val="accent1"/>
+          </a:effectRef>
+          <a:fontRef idx="minor">
+            <a:schemeClr val="tx1"/>
+          </a:fontRef>
+        </p:style>
+      </p:cxnSp>
+      <p:cxnSp>
+        <p:nvCxnSpPr>
+          <p:cNvPr id="62" name="Connector: Elbow 61">
+            <a:extLst>
+              <a:ext uri="{FF2B5EF4-FFF2-40B4-BE49-F238E27FC236}">
+                <a16:creationId xmlns:a16="http://schemas.microsoft.com/office/drawing/2014/main" id="{73C5E00E-02B0-8234-CC5F-EDCFDD14C979}"/>
+              </a:ext>
+            </a:extLst>
+          </p:cNvPr>
+          <p:cNvCxnSpPr>
+            <a:cxnSpLocks/>
+            <a:stCxn id="27" idx="3"/>
+            <a:endCxn id="47" idx="3"/>
+          </p:cNvCxnSpPr>
+          <p:nvPr/>
+        </p:nvCxnSpPr>
+        <p:spPr>
+          <a:xfrm flipH="1">
+            <a:off x="6462703" y="2854082"/>
+            <a:ext cx="510278" cy="954123"/>
+          </a:xfrm>
+          <a:prstGeom prst="bentConnector3">
+            <a:avLst>
+              <a:gd name="adj1" fmla="val -44799"/>
+            </a:avLst>
+          </a:prstGeom>
+          <a:ln>
+            <a:tailEnd type="triangle"/>
+          </a:ln>
+          <a:effectLst/>
+        </p:spPr>
+        <p:style>
+          <a:lnRef idx="2">
+            <a:schemeClr val="accent1"/>
+          </a:lnRef>
+          <a:fillRef idx="0">
+            <a:schemeClr val="accent1"/>
+          </a:fillRef>
+          <a:effectRef idx="1">
+            <a:schemeClr val="accent1"/>
+          </a:effectRef>
+          <a:fontRef idx="minor">
+            <a:schemeClr val="tx1"/>
+          </a:fontRef>
+        </p:style>
+      </p:cxnSp>
+      <p:cxnSp>
+        <p:nvCxnSpPr>
+          <p:cNvPr id="65" name="Connector: Elbow 64">
+            <a:extLst>
+              <a:ext uri="{FF2B5EF4-FFF2-40B4-BE49-F238E27FC236}">
+                <a16:creationId xmlns:a16="http://schemas.microsoft.com/office/drawing/2014/main" id="{B08CE514-2CA7-F85A-2CA9-DA86F83B29BB}"/>
+              </a:ext>
+            </a:extLst>
+          </p:cNvPr>
+          <p:cNvCxnSpPr>
+            <a:cxnSpLocks/>
+            <a:stCxn id="27" idx="3"/>
+            <a:endCxn id="51" idx="3"/>
+          </p:cNvCxnSpPr>
+          <p:nvPr/>
+        </p:nvCxnSpPr>
+        <p:spPr>
+          <a:xfrm flipH="1">
+            <a:off x="6462703" y="2854082"/>
+            <a:ext cx="510278" cy="1513407"/>
+          </a:xfrm>
+          <a:prstGeom prst="bentConnector3">
+            <a:avLst>
+              <a:gd name="adj1" fmla="val -44799"/>
+            </a:avLst>
+          </a:prstGeom>
+          <a:ln>
+            <a:tailEnd type="triangle"/>
+          </a:ln>
+          <a:effectLst/>
+        </p:spPr>
+        <p:style>
+          <a:lnRef idx="2">
+            <a:schemeClr val="accent1"/>
+          </a:lnRef>
+          <a:fillRef idx="0">
+            <a:schemeClr val="accent1"/>
+          </a:fillRef>
+          <a:effectRef idx="1">
+            <a:schemeClr val="accent1"/>
+          </a:effectRef>
+          <a:fontRef idx="minor">
+            <a:schemeClr val="tx1"/>
+          </a:fontRef>
+        </p:style>
+      </p:cxnSp>
+      <p:sp>
+        <p:nvSpPr>
+          <p:cNvPr id="68" name="TextBox 67">
+            <a:extLst>
+              <a:ext uri="{FF2B5EF4-FFF2-40B4-BE49-F238E27FC236}">
+                <a16:creationId xmlns:a16="http://schemas.microsoft.com/office/drawing/2014/main" id="{910B96B0-09EA-A47F-2A53-A6A921A9ED01}"/>
+              </a:ext>
+            </a:extLst>
+          </p:cNvPr>
+          <p:cNvSpPr txBox="1"/>
+          <p:nvPr/>
+        </p:nvSpPr>
+        <p:spPr>
+          <a:xfrm>
+            <a:off x="7330395" y="1288068"/>
+            <a:ext cx="669471" cy="276999"/>
+          </a:xfrm>
+          <a:prstGeom prst="rect">
+            <a:avLst/>
+          </a:prstGeom>
+          <a:noFill/>
+        </p:spPr>
+        <p:txBody>
+          <a:bodyPr wrap="square" rtlCol="0">
+            <a:spAutoFit/>
+          </a:bodyPr>
+          <a:lstStyle/>
+          <a:p>
+            <a:r>
+              <a:rPr lang="en-US" sz="1200" dirty="0"/>
+              <a:t>Stage 0</a:t>
+            </a:r>
+          </a:p>
+        </p:txBody>
+      </p:sp>
+      <p:sp>
+        <p:nvSpPr>
+          <p:cNvPr id="72" name="TextBox 71">
+            <a:extLst>
+              <a:ext uri="{FF2B5EF4-FFF2-40B4-BE49-F238E27FC236}">
+                <a16:creationId xmlns:a16="http://schemas.microsoft.com/office/drawing/2014/main" id="{677DB761-A83A-3D89-AEB0-3828FC846256}"/>
+              </a:ext>
+            </a:extLst>
+          </p:cNvPr>
+          <p:cNvSpPr txBox="1"/>
+          <p:nvPr/>
+        </p:nvSpPr>
+        <p:spPr>
+          <a:xfrm>
+            <a:off x="7330395" y="2244033"/>
+            <a:ext cx="669471" cy="276999"/>
+          </a:xfrm>
+          <a:prstGeom prst="rect">
+            <a:avLst/>
+          </a:prstGeom>
+          <a:noFill/>
+        </p:spPr>
+        <p:txBody>
+          <a:bodyPr wrap="square" rtlCol="0">
+            <a:spAutoFit/>
+          </a:bodyPr>
+          <a:lstStyle/>
+          <a:p>
+            <a:r>
+              <a:rPr lang="en-US" sz="1200" dirty="0"/>
+              <a:t>Stage 1</a:t>
+            </a:r>
+          </a:p>
+        </p:txBody>
+      </p:sp>
+      <p:sp>
+        <p:nvSpPr>
+          <p:cNvPr id="73" name="TextBox 72">
+            <a:extLst>
+              <a:ext uri="{FF2B5EF4-FFF2-40B4-BE49-F238E27FC236}">
+                <a16:creationId xmlns:a16="http://schemas.microsoft.com/office/drawing/2014/main" id="{80088F01-CB22-4857-64D2-FE0347CAE8CC}"/>
+              </a:ext>
+            </a:extLst>
+          </p:cNvPr>
+          <p:cNvSpPr txBox="1"/>
+          <p:nvPr/>
+        </p:nvSpPr>
+        <p:spPr>
+          <a:xfrm>
+            <a:off x="7330395" y="3195952"/>
+            <a:ext cx="669471" cy="276999"/>
+          </a:xfrm>
+          <a:prstGeom prst="rect">
+            <a:avLst/>
+          </a:prstGeom>
+          <a:noFill/>
+        </p:spPr>
+        <p:txBody>
+          <a:bodyPr wrap="square" rtlCol="0">
+            <a:spAutoFit/>
+          </a:bodyPr>
+          <a:lstStyle/>
+          <a:p>
+            <a:r>
+              <a:rPr lang="en-US" sz="1200" dirty="0"/>
+              <a:t>Stage 2</a:t>
+            </a:r>
+          </a:p>
+        </p:txBody>
+      </p:sp>
+      <p:sp>
+        <p:nvSpPr>
+          <p:cNvPr id="74" name="TextBox 73">
+            <a:extLst>
+              <a:ext uri="{FF2B5EF4-FFF2-40B4-BE49-F238E27FC236}">
+                <a16:creationId xmlns:a16="http://schemas.microsoft.com/office/drawing/2014/main" id="{722B7F13-39C5-18EF-377A-6445EB164394}"/>
+              </a:ext>
+            </a:extLst>
+          </p:cNvPr>
+          <p:cNvSpPr txBox="1"/>
+          <p:nvPr/>
+        </p:nvSpPr>
+        <p:spPr>
+          <a:xfrm>
+            <a:off x="7330395" y="3669705"/>
+            <a:ext cx="669471" cy="276999"/>
+          </a:xfrm>
+          <a:prstGeom prst="rect">
+            <a:avLst/>
+          </a:prstGeom>
+          <a:noFill/>
+        </p:spPr>
+        <p:txBody>
+          <a:bodyPr wrap="square" rtlCol="0">
+            <a:spAutoFit/>
+          </a:bodyPr>
+          <a:lstStyle/>
+          <a:p>
+            <a:r>
+              <a:rPr lang="en-US" sz="1200" dirty="0"/>
+              <a:t>Stage 3</a:t>
+            </a:r>
+          </a:p>
+        </p:txBody>
+      </p:sp>
+      <p:sp>
+        <p:nvSpPr>
+          <p:cNvPr id="75" name="TextBox 74">
+            <a:extLst>
+              <a:ext uri="{FF2B5EF4-FFF2-40B4-BE49-F238E27FC236}">
+                <a16:creationId xmlns:a16="http://schemas.microsoft.com/office/drawing/2014/main" id="{6A6DBAA7-FE12-B970-47A2-B9B800CE17F7}"/>
+              </a:ext>
+            </a:extLst>
+          </p:cNvPr>
+          <p:cNvSpPr txBox="1"/>
+          <p:nvPr/>
+        </p:nvSpPr>
+        <p:spPr>
+          <a:xfrm>
+            <a:off x="7330395" y="4228988"/>
+            <a:ext cx="669471" cy="276999"/>
+          </a:xfrm>
+          <a:prstGeom prst="rect">
+            <a:avLst/>
+          </a:prstGeom>
+          <a:noFill/>
+        </p:spPr>
+        <p:txBody>
+          <a:bodyPr wrap="square" rtlCol="0">
+            <a:spAutoFit/>
+          </a:bodyPr>
+          <a:lstStyle/>
+          <a:p>
+            <a:r>
+              <a:rPr lang="en-US" sz="1200" dirty="0"/>
+              <a:t>Stage 4</a:t>
+            </a:r>
+          </a:p>
+        </p:txBody>
+      </p:sp>
+      <p:sp>
+        <p:nvSpPr>
+          <p:cNvPr id="3" name="TextBox 2">
+            <a:extLst>
+              <a:ext uri="{FF2B5EF4-FFF2-40B4-BE49-F238E27FC236}">
+                <a16:creationId xmlns:a16="http://schemas.microsoft.com/office/drawing/2014/main" id="{F43930A9-0529-0D3E-228A-63ED9183320B}"/>
+              </a:ext>
+            </a:extLst>
+          </p:cNvPr>
+          <p:cNvSpPr txBox="1"/>
+          <p:nvPr/>
+        </p:nvSpPr>
+        <p:spPr>
+          <a:xfrm>
+            <a:off x="2349500" y="869950"/>
+            <a:ext cx="1250951" cy="369332"/>
+          </a:xfrm>
+          <a:prstGeom prst="rect">
+            <a:avLst/>
+          </a:prstGeom>
+          <a:noFill/>
+        </p:spPr>
+        <p:txBody>
+          <a:bodyPr wrap="square" rtlCol="0">
+            <a:spAutoFit/>
+          </a:bodyPr>
+          <a:lstStyle/>
+          <a:p>
+            <a:r>
+              <a:rPr lang="en-US" dirty="0"/>
+              <a:t>Assembler</a:t>
+            </a:r>
+          </a:p>
+        </p:txBody>
+      </p:sp>
+      <p:sp>
+        <p:nvSpPr>
+          <p:cNvPr id="7" name="TextBox 6">
+            <a:extLst>
+              <a:ext uri="{FF2B5EF4-FFF2-40B4-BE49-F238E27FC236}">
+                <a16:creationId xmlns:a16="http://schemas.microsoft.com/office/drawing/2014/main" id="{A40C3803-A733-7B73-68A1-B4CF4029B98B}"/>
+              </a:ext>
+            </a:extLst>
+          </p:cNvPr>
+          <p:cNvSpPr txBox="1"/>
+          <p:nvPr/>
+        </p:nvSpPr>
+        <p:spPr>
+          <a:xfrm>
+            <a:off x="2654302" y="1286867"/>
+            <a:ext cx="732970" cy="276999"/>
+          </a:xfrm>
+          <a:prstGeom prst="rect">
+            <a:avLst/>
+          </a:prstGeom>
+          <a:noFill/>
+        </p:spPr>
+        <p:txBody>
+          <a:bodyPr wrap="square" rtlCol="0">
+            <a:spAutoFit/>
+          </a:bodyPr>
+          <a:lstStyle/>
+          <a:p>
+            <a:r>
+              <a:rPr lang="en-US" sz="1200" b="0" dirty="0">
+                <a:solidFill>
+                  <a:srgbClr val="4EC9B0"/>
+                </a:solidFill>
+                <a:effectLst/>
+                <a:latin typeface="Consolas" panose="020B0609020204030204" pitchFamily="49" charset="0"/>
+              </a:rPr>
+              <a:t>Config</a:t>
+            </a:r>
+            <a:endParaRPr lang="en-US" sz="1200" b="0" dirty="0">
+              <a:solidFill>
+                <a:srgbClr val="CCCCCC"/>
+              </a:solidFill>
+              <a:effectLst/>
+              <a:latin typeface="Consolas" panose="020B0609020204030204" pitchFamily="49" charset="0"/>
+            </a:endParaRPr>
+          </a:p>
+        </p:txBody>
+      </p:sp>
+      <p:cxnSp>
+        <p:nvCxnSpPr>
+          <p:cNvPr id="30" name="Connector: Elbow 29">
+            <a:extLst>
+              <a:ext uri="{FF2B5EF4-FFF2-40B4-BE49-F238E27FC236}">
+                <a16:creationId xmlns:a16="http://schemas.microsoft.com/office/drawing/2014/main" id="{DC200234-1F57-CB79-C6DC-7CC9F4D959E1}"/>
+              </a:ext>
+            </a:extLst>
+          </p:cNvPr>
+          <p:cNvCxnSpPr>
+            <a:cxnSpLocks/>
+            <a:stCxn id="7" idx="3"/>
+            <a:endCxn id="4" idx="1"/>
+          </p:cNvCxnSpPr>
+          <p:nvPr/>
+        </p:nvCxnSpPr>
+        <p:spPr>
+          <a:xfrm>
+            <a:off x="3387272" y="1425367"/>
+            <a:ext cx="1771889" cy="1202"/>
+          </a:xfrm>
+          <a:prstGeom prst="bentConnector3">
+            <a:avLst>
+              <a:gd name="adj1" fmla="val 50000"/>
+            </a:avLst>
+          </a:prstGeom>
+          <a:ln>
+            <a:tailEnd type="triangle"/>
+          </a:ln>
+          <a:effectLst/>
+        </p:spPr>
+        <p:style>
+          <a:lnRef idx="2">
+            <a:schemeClr val="accent1"/>
+          </a:lnRef>
+          <a:fillRef idx="0">
+            <a:schemeClr val="accent1"/>
+          </a:fillRef>
+          <a:effectRef idx="1">
+            <a:schemeClr val="accent1"/>
+          </a:effectRef>
+          <a:fontRef idx="minor">
+            <a:schemeClr val="tx1"/>
+          </a:fontRef>
+        </p:style>
+      </p:cxnSp>
+      <p:cxnSp>
+        <p:nvCxnSpPr>
+          <p:cNvPr id="33" name="Connector: Elbow 32">
+            <a:extLst>
+              <a:ext uri="{FF2B5EF4-FFF2-40B4-BE49-F238E27FC236}">
+                <a16:creationId xmlns:a16="http://schemas.microsoft.com/office/drawing/2014/main" id="{39F8D554-C5F6-CF9E-9B32-6AB3B30355BE}"/>
+              </a:ext>
+            </a:extLst>
+          </p:cNvPr>
+          <p:cNvCxnSpPr>
+            <a:cxnSpLocks/>
+            <a:stCxn id="7" idx="2"/>
+            <a:endCxn id="17" idx="1"/>
+          </p:cNvCxnSpPr>
+          <p:nvPr/>
+        </p:nvCxnSpPr>
+        <p:spPr>
+          <a:xfrm rot="16200000" flipH="1">
+            <a:off x="3680641" y="904012"/>
+            <a:ext cx="818667" cy="2138374"/>
+          </a:xfrm>
+          <a:prstGeom prst="bentConnector2">
+            <a:avLst/>
+          </a:prstGeom>
+          <a:ln>
+            <a:tailEnd type="triangle"/>
+          </a:ln>
+          <a:effectLst/>
+        </p:spPr>
+        <p:style>
+          <a:lnRef idx="2">
+            <a:schemeClr val="accent1"/>
+          </a:lnRef>
+          <a:fillRef idx="0">
+            <a:schemeClr val="accent1"/>
+          </a:fillRef>
+          <a:effectRef idx="1">
+            <a:schemeClr val="accent1"/>
+          </a:effectRef>
+          <a:fontRef idx="minor">
+            <a:schemeClr val="tx1"/>
+          </a:fontRef>
+        </p:style>
+      </p:cxnSp>
+      <p:cxnSp>
+        <p:nvCxnSpPr>
+          <p:cNvPr id="37" name="Connector: Elbow 36">
+            <a:extLst>
+              <a:ext uri="{FF2B5EF4-FFF2-40B4-BE49-F238E27FC236}">
+                <a16:creationId xmlns:a16="http://schemas.microsoft.com/office/drawing/2014/main" id="{5FBF11DE-1732-BD90-E5E1-89C24B225F53}"/>
+              </a:ext>
+            </a:extLst>
+          </p:cNvPr>
+          <p:cNvCxnSpPr>
+            <a:cxnSpLocks/>
+            <a:stCxn id="7" idx="2"/>
+            <a:endCxn id="34" idx="1"/>
+          </p:cNvCxnSpPr>
+          <p:nvPr/>
+        </p:nvCxnSpPr>
+        <p:spPr>
+          <a:xfrm rot="16200000" flipH="1">
+            <a:off x="3204681" y="1379972"/>
+            <a:ext cx="1770586" cy="2138374"/>
+          </a:xfrm>
+          <a:prstGeom prst="bentConnector2">
+            <a:avLst/>
+          </a:prstGeom>
+          <a:ln>
+            <a:tailEnd type="triangle"/>
+          </a:ln>
+          <a:effectLst/>
+        </p:spPr>
+        <p:style>
+          <a:lnRef idx="2">
+            <a:schemeClr val="accent1"/>
+          </a:lnRef>
+          <a:fillRef idx="0">
+            <a:schemeClr val="accent1"/>
+          </a:fillRef>
+          <a:effectRef idx="1">
+            <a:schemeClr val="accent1"/>
+          </a:effectRef>
+          <a:fontRef idx="minor">
+            <a:schemeClr val="tx1"/>
+          </a:fontRef>
+        </p:style>
+      </p:cxnSp>
+      <p:cxnSp>
+        <p:nvCxnSpPr>
+          <p:cNvPr id="41" name="Connector: Elbow 40">
+            <a:extLst>
+              <a:ext uri="{FF2B5EF4-FFF2-40B4-BE49-F238E27FC236}">
+                <a16:creationId xmlns:a16="http://schemas.microsoft.com/office/drawing/2014/main" id="{C5144509-28BD-03CC-A42E-E38B722E704F}"/>
+              </a:ext>
+            </a:extLst>
+          </p:cNvPr>
+          <p:cNvCxnSpPr>
+            <a:cxnSpLocks/>
+            <a:endCxn id="47" idx="1"/>
+          </p:cNvCxnSpPr>
+          <p:nvPr/>
+        </p:nvCxnSpPr>
+        <p:spPr>
+          <a:xfrm rot="16200000" flipH="1">
+            <a:off x="2968404" y="1617448"/>
+            <a:ext cx="2243138" cy="2138375"/>
+          </a:xfrm>
+          <a:prstGeom prst="bentConnector2">
+            <a:avLst/>
+          </a:prstGeom>
+          <a:ln>
+            <a:tailEnd type="triangle"/>
+          </a:ln>
+          <a:effectLst/>
+        </p:spPr>
+        <p:style>
+          <a:lnRef idx="2">
+            <a:schemeClr val="accent1"/>
+          </a:lnRef>
+          <a:fillRef idx="0">
+            <a:schemeClr val="accent1"/>
+          </a:fillRef>
+          <a:effectRef idx="1">
+            <a:schemeClr val="accent1"/>
+          </a:effectRef>
+          <a:fontRef idx="minor">
+            <a:schemeClr val="tx1"/>
+          </a:fontRef>
+        </p:style>
+      </p:cxnSp>
+      <p:cxnSp>
+        <p:nvCxnSpPr>
+          <p:cNvPr id="45" name="Connector: Elbow 44">
+            <a:extLst>
+              <a:ext uri="{FF2B5EF4-FFF2-40B4-BE49-F238E27FC236}">
+                <a16:creationId xmlns:a16="http://schemas.microsoft.com/office/drawing/2014/main" id="{31E073DE-C043-988E-A0F9-2A94CD98B24F}"/>
+              </a:ext>
+            </a:extLst>
+          </p:cNvPr>
+          <p:cNvCxnSpPr>
+            <a:cxnSpLocks/>
+            <a:stCxn id="7" idx="2"/>
+            <a:endCxn id="51" idx="1"/>
+          </p:cNvCxnSpPr>
+          <p:nvPr/>
+        </p:nvCxnSpPr>
+        <p:spPr>
+          <a:xfrm rot="16200000" flipH="1">
+            <a:off x="2688163" y="1896490"/>
+            <a:ext cx="2803623" cy="2138374"/>
+          </a:xfrm>
+          <a:prstGeom prst="bentConnector2">
+            <a:avLst/>
+          </a:prstGeom>
+          <a:ln>
+            <a:tailEnd type="triangle"/>
+          </a:ln>
+          <a:effectLst/>
+        </p:spPr>
+        <p:style>
+          <a:lnRef idx="2">
+            <a:schemeClr val="accent1"/>
+          </a:lnRef>
+          <a:fillRef idx="0">
+            <a:schemeClr val="accent1"/>
+          </a:fillRef>
+          <a:effectRef idx="1">
+            <a:schemeClr val="accent1"/>
+          </a:effectRef>
+          <a:fontRef idx="minor">
+            <a:schemeClr val="tx1"/>
+          </a:fontRef>
+        </p:style>
+      </p:cxnSp>
+      <p:sp>
+        <p:nvSpPr>
+          <p:cNvPr id="49" name="TextBox 48">
+            <a:extLst>
+              <a:ext uri="{FF2B5EF4-FFF2-40B4-BE49-F238E27FC236}">
+                <a16:creationId xmlns:a16="http://schemas.microsoft.com/office/drawing/2014/main" id="{9CAD5602-F511-F404-0918-5CDD32604F8D}"/>
+              </a:ext>
+            </a:extLst>
+          </p:cNvPr>
+          <p:cNvSpPr txBox="1"/>
+          <p:nvPr/>
+        </p:nvSpPr>
+        <p:spPr>
+          <a:xfrm>
+            <a:off x="3573240" y="1162222"/>
+            <a:ext cx="1379760" cy="276999"/>
+          </a:xfrm>
+          <a:prstGeom prst="rect">
+            <a:avLst/>
+          </a:prstGeom>
+          <a:noFill/>
+        </p:spPr>
+        <p:txBody>
+          <a:bodyPr wrap="square" rtlCol="0">
+            <a:spAutoFit/>
+          </a:bodyPr>
+          <a:lstStyle/>
+          <a:p>
+            <a:r>
+              <a:rPr lang="en-US" sz="1200" dirty="0"/>
+              <a:t>(reference) (R/W)</a:t>
+            </a:r>
+          </a:p>
+        </p:txBody>
+      </p:sp>
+      <p:sp>
+        <p:nvSpPr>
+          <p:cNvPr id="50" name="TextBox 49">
+            <a:extLst>
+              <a:ext uri="{FF2B5EF4-FFF2-40B4-BE49-F238E27FC236}">
+                <a16:creationId xmlns:a16="http://schemas.microsoft.com/office/drawing/2014/main" id="{D630D9A3-452D-250F-DFF2-A7FEFEF4F66D}"/>
+              </a:ext>
+            </a:extLst>
+          </p:cNvPr>
+          <p:cNvSpPr txBox="1"/>
+          <p:nvPr/>
+        </p:nvSpPr>
+        <p:spPr>
+          <a:xfrm>
+            <a:off x="3568255" y="2121876"/>
+            <a:ext cx="1196287" cy="276999"/>
+          </a:xfrm>
+          <a:prstGeom prst="rect">
+            <a:avLst/>
+          </a:prstGeom>
+          <a:noFill/>
+        </p:spPr>
+        <p:txBody>
+          <a:bodyPr wrap="square" rtlCol="0">
+            <a:spAutoFit/>
+          </a:bodyPr>
+          <a:lstStyle/>
+          <a:p>
+            <a:r>
+              <a:rPr lang="en-US" sz="1200" dirty="0"/>
+              <a:t>(reference) (R)</a:t>
+            </a:r>
+          </a:p>
+        </p:txBody>
+      </p:sp>
+      <p:sp>
+        <p:nvSpPr>
+          <p:cNvPr id="53" name="TextBox 52">
+            <a:extLst>
+              <a:ext uri="{FF2B5EF4-FFF2-40B4-BE49-F238E27FC236}">
+                <a16:creationId xmlns:a16="http://schemas.microsoft.com/office/drawing/2014/main" id="{51AC1870-8E87-681C-ABEC-892C8C89F293}"/>
+              </a:ext>
+            </a:extLst>
+          </p:cNvPr>
+          <p:cNvSpPr txBox="1"/>
+          <p:nvPr/>
+        </p:nvSpPr>
+        <p:spPr>
+          <a:xfrm>
+            <a:off x="3568254" y="3089034"/>
+            <a:ext cx="1384746" cy="276999"/>
+          </a:xfrm>
+          <a:prstGeom prst="rect">
+            <a:avLst/>
+          </a:prstGeom>
+          <a:noFill/>
+        </p:spPr>
+        <p:txBody>
+          <a:bodyPr wrap="square" rtlCol="0">
+            <a:spAutoFit/>
+          </a:bodyPr>
+          <a:lstStyle/>
+          <a:p>
+            <a:r>
+              <a:rPr lang="en-US" sz="1200" dirty="0"/>
+              <a:t>(reference) (R/W)</a:t>
+            </a:r>
+          </a:p>
+        </p:txBody>
+      </p:sp>
+      <p:sp>
+        <p:nvSpPr>
+          <p:cNvPr id="54" name="TextBox 53">
+            <a:extLst>
+              <a:ext uri="{FF2B5EF4-FFF2-40B4-BE49-F238E27FC236}">
+                <a16:creationId xmlns:a16="http://schemas.microsoft.com/office/drawing/2014/main" id="{27FAEB49-4173-19DF-5A23-AD86BDF71006}"/>
+              </a:ext>
+            </a:extLst>
+          </p:cNvPr>
+          <p:cNvSpPr txBox="1"/>
+          <p:nvPr/>
+        </p:nvSpPr>
+        <p:spPr>
+          <a:xfrm>
+            <a:off x="3568253" y="3531632"/>
+            <a:ext cx="1303542" cy="276999"/>
+          </a:xfrm>
+          <a:prstGeom prst="rect">
+            <a:avLst/>
+          </a:prstGeom>
+          <a:noFill/>
+        </p:spPr>
+        <p:txBody>
+          <a:bodyPr wrap="square" rtlCol="0">
+            <a:spAutoFit/>
+          </a:bodyPr>
+          <a:lstStyle/>
+          <a:p>
+            <a:r>
+              <a:rPr lang="en-US" sz="1200" dirty="0"/>
+              <a:t>(reference) (R)</a:t>
+            </a:r>
+          </a:p>
+        </p:txBody>
+      </p:sp>
+      <p:sp>
+        <p:nvSpPr>
+          <p:cNvPr id="55" name="TextBox 54">
+            <a:extLst>
+              <a:ext uri="{FF2B5EF4-FFF2-40B4-BE49-F238E27FC236}">
+                <a16:creationId xmlns:a16="http://schemas.microsoft.com/office/drawing/2014/main" id="{B5DB0090-A930-9F6A-B657-DF04E5831BCF}"/>
+              </a:ext>
+            </a:extLst>
+          </p:cNvPr>
+          <p:cNvSpPr txBox="1"/>
+          <p:nvPr/>
+        </p:nvSpPr>
+        <p:spPr>
+          <a:xfrm>
+            <a:off x="3568253" y="4103468"/>
+            <a:ext cx="1233494" cy="276999"/>
+          </a:xfrm>
+          <a:prstGeom prst="rect">
+            <a:avLst/>
+          </a:prstGeom>
+          <a:noFill/>
+        </p:spPr>
+        <p:txBody>
+          <a:bodyPr wrap="square" rtlCol="0">
+            <a:spAutoFit/>
+          </a:bodyPr>
+          <a:lstStyle/>
+          <a:p>
+            <a:r>
+              <a:rPr lang="en-US" sz="1200" dirty="0"/>
+              <a:t>(reference) (R)</a:t>
+            </a:r>
+          </a:p>
+        </p:txBody>
+      </p:sp>
+    </p:spTree>
+    <p:extLst>
+      <p:ext uri="{BB962C8B-B14F-4D97-AF65-F5344CB8AC3E}">
+        <p14:creationId xmlns:p14="http://schemas.microsoft.com/office/powerpoint/2010/main" val="2720470915"/>
+      </p:ext>
+    </p:extLst>
+  </p:cSld>
+  <p:clrMapOvr>
+    <a:masterClrMapping/>
+  </p:clrMapOvr>
+</p:sld>
+</file>
+
 <file path=ppt/theme/theme1.xml><?xml version="1.0" encoding="utf-8"?>
 <a:theme xmlns:a="http://schemas.openxmlformats.org/drawingml/2006/main" name="Office Theme">
   <a:themeElements>
